--- a/PLS_ALES.pptx
+++ b/PLS_ALES.pptx
@@ -23,11 +23,11 @@
     <p:sldId id="399" r:id="rId14"/>
     <p:sldId id="400" r:id="rId15"/>
     <p:sldId id="401" r:id="rId16"/>
-    <p:sldId id="402" r:id="rId17"/>
-    <p:sldId id="387" r:id="rId18"/>
-    <p:sldId id="388" r:id="rId19"/>
-    <p:sldId id="389" r:id="rId20"/>
-    <p:sldId id="390" r:id="rId21"/>
+    <p:sldId id="387" r:id="rId17"/>
+    <p:sldId id="388" r:id="rId18"/>
+    <p:sldId id="389" r:id="rId19"/>
+    <p:sldId id="390" r:id="rId20"/>
+    <p:sldId id="402" r:id="rId21"/>
     <p:sldId id="403" r:id="rId22"/>
     <p:sldId id="404" r:id="rId23"/>
     <p:sldId id="405" r:id="rId24"/>
@@ -393,7 +393,7 @@
             <a:pPr rtl="0"/>
             <a:fld id="{AD5349E3-2257-46A2-87AA-98208788B886}" type="datetime1">
               <a:rPr lang="it-IT" noProof="0" smtClean="0"/>
-              <a:t>21/03/2023</a:t>
+              <a:t>22/03/2023</a:t>
             </a:fld>
             <a:endParaRPr lang="it-IT" noProof="0" dirty="0"/>
           </a:p>
@@ -2155,7 +2155,7 @@
               <a:rPr lang="it-IT" noProof="0" smtClean="0">
                 <a:latin typeface="+mn-lt"/>
               </a:rPr>
-              <a:t>21 marzo 2023</a:t>
+              <a:t>22 marzo 2023</a:t>
             </a:fld>
             <a:endParaRPr lang="it-IT" noProof="0" dirty="0">
               <a:latin typeface="+mn-lt"/>
@@ -3291,7 +3291,7 @@
               <a:rPr lang="it-IT" noProof="0" smtClean="0">
                 <a:latin typeface="+mn-lt"/>
               </a:rPr>
-              <a:t>21 marzo 2023</a:t>
+              <a:t>22 marzo 2023</a:t>
             </a:fld>
             <a:endParaRPr lang="it-IT" noProof="0" dirty="0">
               <a:latin typeface="+mn-lt"/>
@@ -4426,7 +4426,7 @@
               <a:rPr lang="it-IT" noProof="0" smtClean="0">
                 <a:latin typeface="+mn-lt"/>
               </a:rPr>
-              <a:t>21 marzo 2023</a:t>
+              <a:t>22 marzo 2023</a:t>
             </a:fld>
             <a:endParaRPr lang="it-IT" noProof="0" dirty="0">
               <a:latin typeface="+mn-lt"/>
@@ -6737,7 +6737,7 @@
               <a:rPr lang="it-IT" noProof="0" smtClean="0">
                 <a:latin typeface="+mn-lt"/>
               </a:rPr>
-              <a:t>21 marzo 2023</a:t>
+              <a:t>22 marzo 2023</a:t>
             </a:fld>
             <a:endParaRPr lang="it-IT" noProof="0" dirty="0">
               <a:latin typeface="+mn-lt"/>
@@ -7378,7 +7378,7 @@
               <a:rPr lang="it-IT" noProof="0" smtClean="0">
                 <a:latin typeface="+mn-lt"/>
               </a:rPr>
-              <a:t>21 marzo 2023</a:t>
+              <a:t>22 marzo 2023</a:t>
             </a:fld>
             <a:endParaRPr lang="it-IT" noProof="0" dirty="0">
               <a:latin typeface="+mn-lt"/>
@@ -8154,7 +8154,7 @@
               <a:rPr lang="it-IT" noProof="0" smtClean="0">
                 <a:latin typeface="+mn-lt"/>
               </a:rPr>
-              <a:t>21 marzo 2023</a:t>
+              <a:t>22 marzo 2023</a:t>
             </a:fld>
             <a:endParaRPr lang="it-IT" noProof="0" dirty="0">
               <a:latin typeface="+mn-lt"/>
@@ -8422,7 +8422,7 @@
               <a:rPr lang="it-IT" noProof="0" smtClean="0">
                 <a:latin typeface="+mn-lt"/>
               </a:rPr>
-              <a:t>21 marzo 2023</a:t>
+              <a:t>22 marzo 2023</a:t>
             </a:fld>
             <a:endParaRPr lang="it-IT" noProof="0" dirty="0">
               <a:latin typeface="+mn-lt"/>
@@ -11368,7 +11368,7 @@
               <a:rPr lang="it-IT" noProof="0" smtClean="0">
                 <a:latin typeface="+mn-lt"/>
               </a:rPr>
-              <a:t>21 marzo 2023</a:t>
+              <a:t>22 marzo 2023</a:t>
             </a:fld>
             <a:endParaRPr lang="it-IT" noProof="0" dirty="0">
               <a:latin typeface="+mn-lt"/>
@@ -12545,7 +12545,7 @@
               <a:rPr lang="it-IT" noProof="0" smtClean="0">
                 <a:latin typeface="+mn-lt"/>
               </a:rPr>
-              <a:t>21 marzo 2023</a:t>
+              <a:t>22 marzo 2023</a:t>
             </a:fld>
             <a:endParaRPr lang="it-IT" noProof="0" dirty="0">
               <a:latin typeface="+mn-lt"/>
@@ -12864,7 +12864,7 @@
               <a:rPr lang="it-IT" noProof="0" smtClean="0">
                 <a:latin typeface="+mn-lt"/>
               </a:rPr>
-              <a:t>21 marzo 2023</a:t>
+              <a:t>22 marzo 2023</a:t>
             </a:fld>
             <a:endParaRPr lang="it-IT" noProof="0" dirty="0">
               <a:latin typeface="+mn-lt"/>
@@ -13620,8 +13620,8 @@
           </a:p>
         </p:txBody>
       </p:sp>
-      <mc:AlternateContent xmlns:mc="http://schemas.openxmlformats.org/markup-compatibility/2006">
-        <mc:Choice xmlns:a14="http://schemas.microsoft.com/office/drawing/2010/main" Requires="a14">
+      <mc:AlternateContent xmlns:mc="http://schemas.openxmlformats.org/markup-compatibility/2006" xmlns:a14="http://schemas.microsoft.com/office/drawing/2010/main">
+        <mc:Choice Requires="a14">
           <p:sp>
             <p:nvSpPr>
               <p:cNvPr id="17" name="Segnaposto testo 16">
@@ -13748,6 +13748,7 @@
                 </a:endParaRPr>
               </a:p>
               <a:p>
+                <a:pPr/>
                 <a14:m>
                   <m:oMathPara xmlns:m="http://schemas.openxmlformats.org/officeDocument/2006/math">
                     <m:oMathParaPr>
@@ -14110,6 +14111,7 @@
                 <a:endParaRPr lang="en-US" sz="1800" dirty="0"/>
               </a:p>
               <a:p>
+                <a:pPr/>
                 <a14:m>
                   <m:oMathPara xmlns:m="http://schemas.openxmlformats.org/officeDocument/2006/math">
                     <m:oMathParaPr>
@@ -14667,13 +14669,12 @@
                 <a:endParaRPr lang="en-US" dirty="0"/>
               </a:p>
               <a:p>
-                <a:pPr/>
                 <a:endParaRPr lang="en-GB" sz="1800" b="1" dirty="0"/>
               </a:p>
             </p:txBody>
           </p:sp>
         </mc:Choice>
-        <mc:Fallback>
+        <mc:Fallback xmlns="">
           <p:sp>
             <p:nvSpPr>
               <p:cNvPr id="17" name="Segnaposto testo 16">
@@ -14830,8 +14831,8 @@
           </a:p>
         </p:txBody>
       </p:sp>
-      <mc:AlternateContent xmlns:mc="http://schemas.openxmlformats.org/markup-compatibility/2006">
-        <mc:Choice xmlns:a14="http://schemas.microsoft.com/office/drawing/2010/main" Requires="a14">
+      <mc:AlternateContent xmlns:mc="http://schemas.openxmlformats.org/markup-compatibility/2006" xmlns:a14="http://schemas.microsoft.com/office/drawing/2010/main">
+        <mc:Choice Requires="a14">
           <p:sp>
             <p:nvSpPr>
               <p:cNvPr id="17" name="Segnaposto testo 16">
@@ -14870,18 +14871,24 @@
                     <m:sSub>
                       <m:sSubPr>
                         <m:ctrlPr>
-                          <a:rPr lang="en-US" sz="1800"/>
+                          <a:rPr lang="en-US" sz="1800" i="1">
+                            <a:latin typeface="Cambria Math" panose="02040503050406030204" pitchFamily="18" charset="0"/>
+                          </a:rPr>
                         </m:ctrlPr>
                       </m:sSubPr>
                       <m:e>
                         <m:r>
-                          <a:rPr lang="it-IT" sz="1800"/>
+                          <a:rPr lang="it-IT" sz="1800">
+                            <a:latin typeface="Cambria Math" panose="02040503050406030204" pitchFamily="18" charset="0"/>
+                          </a:rPr>
                           <m:t>𝑡</m:t>
                         </m:r>
                       </m:e>
                       <m:sub>
                         <m:r>
-                          <a:rPr lang="it-IT" sz="1800"/>
+                          <a:rPr lang="it-IT" sz="1800">
+                            <a:latin typeface="Cambria Math" panose="02040503050406030204" pitchFamily="18" charset="0"/>
+                          </a:rPr>
                           <m:t>𝑎</m:t>
                         </m:r>
                       </m:sub>
@@ -14897,18 +14904,24 @@
                     <m:sSub>
                       <m:sSubPr>
                         <m:ctrlPr>
-                          <a:rPr lang="en-US" sz="1800" dirty="0"/>
+                          <a:rPr lang="en-US" sz="1800" i="1" dirty="0">
+                            <a:latin typeface="Cambria Math" panose="02040503050406030204" pitchFamily="18" charset="0"/>
+                          </a:rPr>
                         </m:ctrlPr>
                       </m:sSubPr>
                       <m:e>
                         <m:r>
-                          <a:rPr lang="it-IT" sz="1800" dirty="0"/>
+                          <a:rPr lang="it-IT" sz="1800" dirty="0">
+                            <a:latin typeface="Cambria Math" panose="02040503050406030204" pitchFamily="18" charset="0"/>
+                          </a:rPr>
                           <m:t>𝑢</m:t>
                         </m:r>
                       </m:e>
                       <m:sub>
                         <m:r>
-                          <a:rPr lang="it-IT" sz="1800" dirty="0"/>
+                          <a:rPr lang="it-IT" sz="1800" dirty="0">
+                            <a:latin typeface="Cambria Math" panose="02040503050406030204" pitchFamily="18" charset="0"/>
+                          </a:rPr>
                           <m:t>𝑎</m:t>
                         </m:r>
                       </m:sub>
@@ -14934,24 +14947,32 @@
                     <m:sSubSup>
                       <m:sSubSupPr>
                         <m:ctrlPr>
-                          <a:rPr lang="en-US" sz="1800"/>
+                          <a:rPr lang="en-US" sz="1800" i="1">
+                            <a:latin typeface="Cambria Math" panose="02040503050406030204" pitchFamily="18" charset="0"/>
+                          </a:rPr>
                         </m:ctrlPr>
                       </m:sSubSupPr>
                       <m:e>
                         <m:r>
-                          <a:rPr lang="it-IT" sz="1800"/>
+                          <a:rPr lang="it-IT" sz="1800">
+                            <a:latin typeface="Cambria Math" panose="02040503050406030204" pitchFamily="18" charset="0"/>
+                          </a:rPr>
                           <m:t>𝒕</m:t>
                         </m:r>
                       </m:e>
                       <m:sub>
                         <m:r>
-                          <a:rPr lang="it-IT" sz="1800"/>
+                          <a:rPr lang="it-IT" sz="1800">
+                            <a:latin typeface="Cambria Math" panose="02040503050406030204" pitchFamily="18" charset="0"/>
+                          </a:rPr>
                           <m:t>𝒂</m:t>
                         </m:r>
                       </m:sub>
                       <m:sup>
                         <m:r>
-                          <a:rPr lang="it-IT" sz="1800"/>
+                          <a:rPr lang="it-IT" sz="1800">
+                            <a:latin typeface="Cambria Math" panose="02040503050406030204" pitchFamily="18" charset="0"/>
+                          </a:rPr>
                           <m:t>′</m:t>
                         </m:r>
                       </m:sup>
@@ -14959,18 +14980,24 @@
                     <m:sSub>
                       <m:sSubPr>
                         <m:ctrlPr>
-                          <a:rPr lang="en-US" sz="1800"/>
+                          <a:rPr lang="en-US" sz="1800" i="1">
+                            <a:latin typeface="Cambria Math" panose="02040503050406030204" pitchFamily="18" charset="0"/>
+                          </a:rPr>
                         </m:ctrlPr>
                       </m:sSubPr>
                       <m:e>
                         <m:r>
-                          <a:rPr lang="it-IT" sz="1800"/>
+                          <a:rPr lang="it-IT" sz="1800">
+                            <a:latin typeface="Cambria Math" panose="02040503050406030204" pitchFamily="18" charset="0"/>
+                          </a:rPr>
                           <m:t>𝒕</m:t>
                         </m:r>
                       </m:e>
                       <m:sub>
                         <m:r>
-                          <a:rPr lang="it-IT" sz="1800"/>
+                          <a:rPr lang="it-IT" sz="1800">
+                            <a:latin typeface="Cambria Math" panose="02040503050406030204" pitchFamily="18" charset="0"/>
+                          </a:rPr>
                           <m:t>𝒂</m:t>
                         </m:r>
                       </m:sub>
@@ -14996,24 +15023,32 @@
                     <m:sSubSup>
                       <m:sSubSupPr>
                         <m:ctrlPr>
-                          <a:rPr lang="en-US" sz="1800"/>
+                          <a:rPr lang="en-US" sz="1800" i="1">
+                            <a:latin typeface="Cambria Math" panose="02040503050406030204" pitchFamily="18" charset="0"/>
+                          </a:rPr>
                         </m:ctrlPr>
                       </m:sSubSupPr>
                       <m:e>
                         <m:r>
-                          <a:rPr lang="it-IT" sz="1800"/>
+                          <a:rPr lang="it-IT" sz="1800">
+                            <a:latin typeface="Cambria Math" panose="02040503050406030204" pitchFamily="18" charset="0"/>
+                          </a:rPr>
                           <m:t>𝒖</m:t>
                         </m:r>
                       </m:e>
                       <m:sub>
                         <m:r>
-                          <a:rPr lang="it-IT" sz="1800"/>
+                          <a:rPr lang="it-IT" sz="1800">
+                            <a:latin typeface="Cambria Math" panose="02040503050406030204" pitchFamily="18" charset="0"/>
+                          </a:rPr>
                           <m:t>𝒂</m:t>
                         </m:r>
                       </m:sub>
                       <m:sup>
                         <m:r>
-                          <a:rPr lang="it-IT" sz="1800"/>
+                          <a:rPr lang="it-IT" sz="1800">
+                            <a:latin typeface="Cambria Math" panose="02040503050406030204" pitchFamily="18" charset="0"/>
+                          </a:rPr>
                           <m:t>′</m:t>
                         </m:r>
                       </m:sup>
@@ -15021,18 +15056,24 @@
                     <m:sSub>
                       <m:sSubPr>
                         <m:ctrlPr>
-                          <a:rPr lang="en-US" sz="1800"/>
+                          <a:rPr lang="en-US" sz="1800" i="1">
+                            <a:latin typeface="Cambria Math" panose="02040503050406030204" pitchFamily="18" charset="0"/>
+                          </a:rPr>
                         </m:ctrlPr>
                       </m:sSubPr>
                       <m:e>
                         <m:r>
-                          <a:rPr lang="it-IT" sz="1800"/>
+                          <a:rPr lang="it-IT" sz="1800">
+                            <a:latin typeface="Cambria Math" panose="02040503050406030204" pitchFamily="18" charset="0"/>
+                          </a:rPr>
                           <m:t>𝐮</m:t>
                         </m:r>
                       </m:e>
                       <m:sub>
                         <m:r>
-                          <a:rPr lang="it-IT" sz="1800"/>
+                          <a:rPr lang="it-IT" sz="1800">
+                            <a:latin typeface="Cambria Math" panose="02040503050406030204" pitchFamily="18" charset="0"/>
+                          </a:rPr>
                           <m:t>𝒂</m:t>
                         </m:r>
                       </m:sub>
@@ -15060,54 +15101,72 @@
                 <a14:m>
                   <m:oMath xmlns:m="http://schemas.openxmlformats.org/officeDocument/2006/math">
                     <m:r>
-                      <a:rPr lang="it-IT" sz="1800"/>
+                      <a:rPr lang="it-IT" sz="1800">
+                        <a:latin typeface="Cambria Math" panose="02040503050406030204" pitchFamily="18" charset="0"/>
+                      </a:rPr>
                       <m:t>𝐶𝑜𝑟𝑟</m:t>
                     </m:r>
                     <m:d>
                       <m:dPr>
                         <m:ctrlPr>
-                          <a:rPr lang="it-IT" sz="1800"/>
+                          <a:rPr lang="it-IT" sz="1800" i="1">
+                            <a:latin typeface="Cambria Math" panose="02040503050406030204" pitchFamily="18" charset="0"/>
+                          </a:rPr>
                         </m:ctrlPr>
                       </m:dPr>
                       <m:e>
                         <m:sSub>
                           <m:sSubPr>
                             <m:ctrlPr>
-                              <a:rPr lang="it-IT" sz="1800"/>
+                              <a:rPr lang="it-IT" sz="1800" i="1">
+                                <a:latin typeface="Cambria Math" panose="02040503050406030204" pitchFamily="18" charset="0"/>
+                              </a:rPr>
                             </m:ctrlPr>
                           </m:sSubPr>
                           <m:e>
                             <m:r>
-                              <a:rPr lang="it-IT" sz="1800"/>
+                              <a:rPr lang="it-IT" sz="1800">
+                                <a:latin typeface="Cambria Math" panose="02040503050406030204" pitchFamily="18" charset="0"/>
+                              </a:rPr>
                               <m:t>𝒕</m:t>
                             </m:r>
                           </m:e>
                           <m:sub>
                             <m:r>
-                              <a:rPr lang="it-IT" sz="1800"/>
+                              <a:rPr lang="it-IT" sz="1800">
+                                <a:latin typeface="Cambria Math" panose="02040503050406030204" pitchFamily="18" charset="0"/>
+                              </a:rPr>
                               <m:t>𝒂</m:t>
                             </m:r>
                           </m:sub>
                         </m:sSub>
                         <m:r>
-                          <a:rPr lang="it-IT" sz="1800"/>
+                          <a:rPr lang="it-IT" sz="1800">
+                            <a:latin typeface="Cambria Math" panose="02040503050406030204" pitchFamily="18" charset="0"/>
+                          </a:rPr>
                           <m:t>,</m:t>
                         </m:r>
                         <m:sSub>
                           <m:sSubPr>
                             <m:ctrlPr>
-                              <a:rPr lang="it-IT" sz="1800"/>
+                              <a:rPr lang="it-IT" sz="1800" i="1">
+                                <a:latin typeface="Cambria Math" panose="02040503050406030204" pitchFamily="18" charset="0"/>
+                              </a:rPr>
                             </m:ctrlPr>
                           </m:sSubPr>
                           <m:e>
                             <m:r>
-                              <a:rPr lang="it-IT" sz="1800"/>
+                              <a:rPr lang="it-IT" sz="1800">
+                                <a:latin typeface="Cambria Math" panose="02040503050406030204" pitchFamily="18" charset="0"/>
+                              </a:rPr>
                               <m:t>𝒖</m:t>
                             </m:r>
                           </m:e>
                           <m:sub>
                             <m:r>
-                              <a:rPr lang="it-IT" sz="1800"/>
+                              <a:rPr lang="it-IT" sz="1800">
+                                <a:latin typeface="Cambria Math" panose="02040503050406030204" pitchFamily="18" charset="0"/>
+                              </a:rPr>
                               <m:t>𝒂</m:t>
                             </m:r>
                           </m:sub>
@@ -15124,7 +15183,7 @@
             </p:txBody>
           </p:sp>
         </mc:Choice>
-        <mc:Fallback>
+        <mc:Fallback xmlns="">
           <p:sp>
             <p:nvSpPr>
               <p:cNvPr id="17" name="Segnaposto testo 16">
@@ -15546,385 +15605,6 @@
           <p:cNvPr id="16" name="Titolo 15">
             <a:extLst>
               <a:ext uri="{FF2B5EF4-FFF2-40B4-BE49-F238E27FC236}">
-                <a16:creationId xmlns:a16="http://schemas.microsoft.com/office/drawing/2014/main" id="{16EAD976-EE7C-93F2-8804-1A9C947B7C18}"/>
-              </a:ext>
-            </a:extLst>
-          </p:cNvPr>
-          <p:cNvSpPr>
-            <a:spLocks noGrp="1"/>
-          </p:cNvSpPr>
-          <p:nvPr>
-            <p:ph type="title"/>
-          </p:nvPr>
-        </p:nvSpPr>
-        <p:spPr>
-          <a:xfrm>
-            <a:off x="964023" y="879063"/>
-            <a:ext cx="6426678" cy="610863"/>
-          </a:xfrm>
-        </p:spPr>
-        <p:txBody>
-          <a:bodyPr>
-            <a:normAutofit/>
-          </a:bodyPr>
-          <a:lstStyle/>
-          <a:p>
-            <a:r>
-              <a:rPr lang="it-IT" dirty="0"/>
-              <a:t>Reduction Order</a:t>
-            </a:r>
-            <a:endParaRPr lang="en-GB" dirty="0"/>
-          </a:p>
-        </p:txBody>
-      </p:sp>
-      <mc:AlternateContent xmlns:mc="http://schemas.openxmlformats.org/markup-compatibility/2006">
-        <mc:Choice xmlns:a14="http://schemas.microsoft.com/office/drawing/2010/main" Requires="a14">
-          <p:sp>
-            <p:nvSpPr>
-              <p:cNvPr id="17" name="Segnaposto testo 16">
-                <a:extLst>
-                  <a:ext uri="{FF2B5EF4-FFF2-40B4-BE49-F238E27FC236}">
-                    <a16:creationId xmlns:a16="http://schemas.microsoft.com/office/drawing/2014/main" id="{F607315A-FD03-651C-E630-0361C9CD9ABD}"/>
-                  </a:ext>
-                </a:extLst>
-              </p:cNvPr>
-              <p:cNvSpPr>
-                <a:spLocks noGrp="1"/>
-              </p:cNvSpPr>
-              <p:nvPr>
-                <p:ph type="body" sz="quarter" idx="11"/>
-              </p:nvPr>
-            </p:nvSpPr>
-            <p:spPr>
-              <a:xfrm>
-                <a:off x="1063828" y="2128730"/>
-                <a:ext cx="9162352" cy="2669773"/>
-              </a:xfrm>
-            </p:spPr>
-            <p:txBody>
-              <a:bodyPr/>
-              <a:lstStyle/>
-              <a:p>
-                <a:pPr marL="285750" indent="-285750">
-                  <a:buFont typeface="Arial" panose="020B0604020202020204" pitchFamily="34" charset="0"/>
-                  <a:buChar char="•"/>
-                </a:pPr>
-                <a:r>
-                  <a:rPr lang="en-US" sz="1800" dirty="0"/>
-                  <a:t>It’s important to select an appropriate number </a:t>
-                </a:r>
-                <a14:m>
-                  <m:oMath xmlns:m="http://schemas.openxmlformats.org/officeDocument/2006/math">
-                    <m:r>
-                      <a:rPr lang="en-US" sz="1800" i="1" dirty="0" smtClean="0">
-                        <a:latin typeface="Cambria Math" panose="02040503050406030204" pitchFamily="18" charset="0"/>
-                      </a:rPr>
-                      <m:t>𝑎</m:t>
-                    </m:r>
-                  </m:oMath>
-                </a14:m>
-                <a:r>
-                  <a:rPr lang="en-US" sz="1800" dirty="0"/>
-                  <a:t> of PLS ​​factors to get a good prediction.</a:t>
-                </a:r>
-              </a:p>
-              <a:p>
-                <a:pPr marL="285750" indent="-285750">
-                  <a:buFont typeface="Arial" panose="020B0604020202020204" pitchFamily="34" charset="0"/>
-                  <a:buChar char="•"/>
-                </a:pPr>
-                <a14:m>
-                  <m:oMath xmlns:m="http://schemas.openxmlformats.org/officeDocument/2006/math">
-                    <m:r>
-                      <a:rPr lang="en-GB" sz="1800" i="1" dirty="0" smtClean="0">
-                        <a:solidFill>
-                          <a:srgbClr val="000000"/>
-                        </a:solidFill>
-                        <a:latin typeface="Cambria Math" panose="02040503050406030204" pitchFamily="18" charset="0"/>
-                      </a:rPr>
-                      <m:t>𝑎</m:t>
-                    </m:r>
-                  </m:oMath>
-                </a14:m>
-                <a:r>
-                  <a:rPr lang="en-GB" sz="1800" dirty="0">
-                    <a:solidFill>
-                      <a:srgbClr val="000000"/>
-                    </a:solidFill>
-                    <a:latin typeface="Calibri" panose="020F0502020204030204" pitchFamily="34" charset="0"/>
-                  </a:rPr>
-                  <a:t>  </a:t>
-                </a:r>
-                <a:r>
-                  <a:rPr lang="en-GB" sz="1800" b="1" dirty="0">
-                    <a:solidFill>
-                      <a:srgbClr val="000000"/>
-                    </a:solidFill>
-                    <a:latin typeface="Calibri" panose="020F0502020204030204" pitchFamily="34" charset="0"/>
-                  </a:rPr>
-                  <a:t>can be fixed</a:t>
-                </a:r>
-                <a:r>
-                  <a:rPr lang="en-GB" sz="1800" dirty="0">
-                    <a:solidFill>
-                      <a:srgbClr val="000000"/>
-                    </a:solidFill>
-                    <a:latin typeface="Calibri" panose="020F0502020204030204" pitchFamily="34" charset="0"/>
-                  </a:rPr>
-                  <a:t>, for example when we want to plot lower dimension data, </a:t>
-                </a:r>
-                <a14:m>
-                  <m:oMath xmlns:m="http://schemas.openxmlformats.org/officeDocument/2006/math">
-                    <m:r>
-                      <a:rPr lang="en-GB" sz="1800" i="1" dirty="0" smtClean="0">
-                        <a:solidFill>
-                          <a:srgbClr val="000000"/>
-                        </a:solidFill>
-                        <a:latin typeface="Cambria Math" panose="02040503050406030204" pitchFamily="18" charset="0"/>
-                      </a:rPr>
-                      <m:t>1&lt;</m:t>
-                    </m:r>
-                    <m:r>
-                      <a:rPr lang="en-GB" sz="2000" i="1" dirty="0" smtClean="0">
-                        <a:solidFill>
-                          <a:srgbClr val="000000"/>
-                        </a:solidFill>
-                        <a:latin typeface="Cambria Math" panose="02040503050406030204" pitchFamily="18" charset="0"/>
-                      </a:rPr>
-                      <m:t> </m:t>
-                    </m:r>
-                    <m:r>
-                      <a:rPr lang="en-GB" sz="2000" i="1" dirty="0" smtClean="0">
-                        <a:solidFill>
-                          <a:srgbClr val="000000"/>
-                        </a:solidFill>
-                        <a:latin typeface="Cambria Math" panose="02040503050406030204" pitchFamily="18" charset="0"/>
-                      </a:rPr>
-                      <m:t>𝑎</m:t>
-                    </m:r>
-                    <m:r>
-                      <a:rPr lang="en-GB" sz="2000" i="1" dirty="0" smtClean="0">
-                        <a:solidFill>
-                          <a:srgbClr val="000000"/>
-                        </a:solidFill>
-                        <a:latin typeface="Cambria Math" panose="02040503050406030204" pitchFamily="18" charset="0"/>
-                      </a:rPr>
-                      <m:t> &lt;3 </m:t>
-                    </m:r>
-                  </m:oMath>
-                </a14:m>
-                <a:r>
-                  <a:rPr lang="en-GB" sz="2000" dirty="0">
-                    <a:solidFill>
-                      <a:srgbClr val="000000"/>
-                    </a:solidFill>
-                    <a:latin typeface="Calibri" panose="020F0502020204030204" pitchFamily="34" charset="0"/>
-                  </a:rPr>
-                  <a:t>. </a:t>
-                </a:r>
-              </a:p>
-              <a:p>
-                <a:pPr marL="285750" indent="-285750">
-                  <a:buFont typeface="Arial" panose="020B0604020202020204" pitchFamily="34" charset="0"/>
-                  <a:buChar char="•"/>
-                </a:pPr>
-                <a:r>
-                  <a:rPr lang="en-GB" sz="1800" dirty="0"/>
-                  <a:t>Otherwise with </a:t>
-                </a:r>
-                <a:r>
-                  <a:rPr lang="en-GB" sz="1800" b="1" dirty="0"/>
-                  <a:t>validation and cross-validation techniques</a:t>
-                </a:r>
-                <a:r>
-                  <a:rPr lang="en-GB" sz="1800" dirty="0"/>
-                  <a:t>, we find the </a:t>
-                </a:r>
-                <a14:m>
-                  <m:oMath xmlns:m="http://schemas.openxmlformats.org/officeDocument/2006/math">
-                    <m:r>
-                      <a:rPr lang="en-GB" sz="1800" dirty="0"/>
-                      <m:t>𝑎</m:t>
-                    </m:r>
-                  </m:oMath>
-                </a14:m>
-                <a:r>
-                  <a:rPr lang="en-GB" sz="1800" dirty="0"/>
-                  <a:t> value that minimizes one of the following measures:</a:t>
-                </a:r>
-              </a:p>
-              <a:p>
-                <a:pPr marL="342900" indent="-342900">
-                  <a:buFont typeface="+mj-lt"/>
-                  <a:buAutoNum type="arabicPeriod"/>
-                </a:pPr>
-                <a:r>
-                  <a:rPr lang="en-US" sz="1800" dirty="0"/>
-                  <a:t>The sum of squared residuals (PRESS). </a:t>
-                </a:r>
-              </a:p>
-              <a:p>
-                <a:pPr marL="342900" indent="-342900">
-                  <a:buFont typeface="+mj-lt"/>
-                  <a:buAutoNum type="arabicPeriod"/>
-                </a:pPr>
-                <a:r>
-                  <a:rPr lang="en-US" sz="1800" dirty="0"/>
-                  <a:t>The information criterion.</a:t>
-                </a:r>
-              </a:p>
-              <a:p>
-                <a:pPr marL="342900" indent="-342900">
-                  <a:buFont typeface="+mj-lt"/>
-                  <a:buAutoNum type="arabicPeriod"/>
-                </a:pPr>
-                <a:r>
-                  <a:rPr lang="en-US" sz="1800" dirty="0"/>
-                  <a:t>The misclassification error</a:t>
-                </a:r>
-              </a:p>
-              <a:p>
-                <a:pPr marL="457200" marR="0" lvl="1" indent="0" algn="l" defTabSz="914400" rtl="0" eaLnBrk="1" fontAlgn="auto" latinLnBrk="0" hangingPunct="1">
-                  <a:lnSpc>
-                    <a:spcPct val="90000"/>
-                  </a:lnSpc>
-                  <a:spcBef>
-                    <a:spcPts val="500"/>
-                  </a:spcBef>
-                  <a:spcAft>
-                    <a:spcPts val="0"/>
-                  </a:spcAft>
-                  <a:buClrTx/>
-                  <a:buSzTx/>
-                  <a:buNone/>
-                  <a:tabLst/>
-                  <a:defRPr/>
-                </a:pPr>
-                <a:endParaRPr lang="en-US" sz="1800" dirty="0"/>
-              </a:p>
-              <a:p>
-                <a:pPr marL="285750" indent="-285750">
-                  <a:buFont typeface="Arial" panose="020B0604020202020204" pitchFamily="34" charset="0"/>
-                  <a:buChar char="•"/>
-                </a:pPr>
-                <a:endParaRPr lang="en-US" sz="1800" dirty="0"/>
-              </a:p>
-            </p:txBody>
-          </p:sp>
-        </mc:Choice>
-        <mc:Fallback>
-          <p:sp>
-            <p:nvSpPr>
-              <p:cNvPr id="17" name="Segnaposto testo 16">
-                <a:extLst>
-                  <a:ext uri="{FF2B5EF4-FFF2-40B4-BE49-F238E27FC236}">
-                    <a16:creationId xmlns:a16="http://schemas.microsoft.com/office/drawing/2014/main" id="{F607315A-FD03-651C-E630-0361C9CD9ABD}"/>
-                  </a:ext>
-                </a:extLst>
-              </p:cNvPr>
-              <p:cNvSpPr>
-                <a:spLocks noGrp="1" noRot="1" noChangeAspect="1" noMove="1" noResize="1" noEditPoints="1" noAdjustHandles="1" noChangeArrowheads="1" noChangeShapeType="1" noTextEdit="1"/>
-              </p:cNvSpPr>
-              <p:nvPr>
-                <p:ph type="body" sz="quarter" idx="11"/>
-              </p:nvPr>
-            </p:nvSpPr>
-            <p:spPr>
-              <a:xfrm>
-                <a:off x="1063828" y="2128730"/>
-                <a:ext cx="9162352" cy="2669773"/>
-              </a:xfrm>
-              <a:blipFill>
-                <a:blip r:embed="rId2"/>
-                <a:stretch>
-                  <a:fillRect l="-1464" t="-2968" b="-2511"/>
-                </a:stretch>
-              </a:blipFill>
-            </p:spPr>
-            <p:txBody>
-              <a:bodyPr/>
-              <a:lstStyle/>
-              <a:p>
-                <a:r>
-                  <a:rPr lang="en-GB">
-                    <a:noFill/>
-                  </a:rPr>
-                  <a:t> </a:t>
-                </a:r>
-              </a:p>
-            </p:txBody>
-          </p:sp>
-        </mc:Fallback>
-      </mc:AlternateContent>
-      <p:sp>
-        <p:nvSpPr>
-          <p:cNvPr id="15" name="Segnaposto numero diapositiva 14">
-            <a:extLst>
-              <a:ext uri="{FF2B5EF4-FFF2-40B4-BE49-F238E27FC236}">
-                <a16:creationId xmlns:a16="http://schemas.microsoft.com/office/drawing/2014/main" id="{F37419E7-6CE1-EFA5-363B-E4990D412DFB}"/>
-              </a:ext>
-            </a:extLst>
-          </p:cNvPr>
-          <p:cNvSpPr>
-            <a:spLocks noGrp="1"/>
-          </p:cNvSpPr>
-          <p:nvPr>
-            <p:ph type="sldNum" sz="quarter" idx="16"/>
-          </p:nvPr>
-        </p:nvSpPr>
-        <p:spPr/>
-        <p:txBody>
-          <a:bodyPr/>
-          <a:lstStyle/>
-          <a:p>
-            <a:pPr rtl="0"/>
-            <a:fld id="{294A09A9-5501-47C1-A89A-A340965A2BE2}" type="slidenum">
-              <a:rPr lang="it-IT" noProof="0" smtClean="0"/>
-              <a:pPr rtl="0"/>
-              <a:t>13</a:t>
-            </a:fld>
-            <a:endParaRPr lang="it-IT" noProof="0" dirty="0"/>
-          </a:p>
-        </p:txBody>
-      </p:sp>
-    </p:spTree>
-    <p:extLst>
-      <p:ext uri="{BB962C8B-B14F-4D97-AF65-F5344CB8AC3E}">
-        <p14:creationId xmlns:p14="http://schemas.microsoft.com/office/powerpoint/2010/main" val="1522444210"/>
-      </p:ext>
-    </p:extLst>
-  </p:cSld>
-  <p:clrMapOvr>
-    <a:masterClrMapping/>
-  </p:clrMapOvr>
-  <p:transition spd="slow">
-    <p:push dir="u"/>
-  </p:transition>
-</p:sld>
-</file>
-
-<file path=ppt/slides/slide14.xml><?xml version="1.0" encoding="utf-8"?>
-<p:sld xmlns:a="http://schemas.openxmlformats.org/drawingml/2006/main" xmlns:r="http://schemas.openxmlformats.org/officeDocument/2006/relationships" xmlns:p="http://schemas.openxmlformats.org/presentationml/2006/main">
-  <p:cSld>
-    <p:spTree>
-      <p:nvGrpSpPr>
-        <p:cNvPr id="1" name=""/>
-        <p:cNvGrpSpPr/>
-        <p:nvPr/>
-      </p:nvGrpSpPr>
-      <p:grpSpPr>
-        <a:xfrm>
-          <a:off x="0" y="0"/>
-          <a:ext cx="0" cy="0"/>
-          <a:chOff x="0" y="0"/>
-          <a:chExt cx="0" cy="0"/>
-        </a:xfrm>
-      </p:grpSpPr>
-      <p:sp>
-        <p:nvSpPr>
-          <p:cNvPr id="16" name="Titolo 15">
-            <a:extLst>
-              <a:ext uri="{FF2B5EF4-FFF2-40B4-BE49-F238E27FC236}">
                 <a16:creationId xmlns:a16="http://schemas.microsoft.com/office/drawing/2014/main" id="{58527FEC-8A94-5156-C84C-2A5F4FC7200E}"/>
               </a:ext>
             </a:extLst>
@@ -16012,7 +15692,7 @@
             <a:fld id="{294A09A9-5501-47C1-A89A-A340965A2BE2}" type="slidenum">
               <a:rPr lang="it-IT" noProof="0" smtClean="0"/>
               <a:pPr rtl="0"/>
-              <a:t>14</a:t>
+              <a:t>13</a:t>
             </a:fld>
             <a:endParaRPr lang="it-IT" noProof="0" dirty="0"/>
           </a:p>
@@ -16031,7 +15711,7 @@
 </p:sld>
 </file>
 
-<file path=ppt/slides/slide15.xml><?xml version="1.0" encoding="utf-8"?>
+<file path=ppt/slides/slide14.xml><?xml version="1.0" encoding="utf-8"?>
 <p:sld xmlns:a="http://schemas.openxmlformats.org/drawingml/2006/main" xmlns:r="http://schemas.openxmlformats.org/officeDocument/2006/relationships" xmlns:p="http://schemas.openxmlformats.org/presentationml/2006/main">
   <p:cSld>
     <p:spTree>
@@ -16529,7 +16209,7 @@
             <a:fld id="{294A09A9-5501-47C1-A89A-A340965A2BE2}" type="slidenum">
               <a:rPr lang="it-IT" noProof="0" smtClean="0"/>
               <a:pPr rtl="0"/>
-              <a:t>15</a:t>
+              <a:t>14</a:t>
             </a:fld>
             <a:endParaRPr lang="it-IT" noProof="0" dirty="0"/>
           </a:p>
@@ -17541,7 +17221,7 @@
 </p:sld>
 </file>
 
-<file path=ppt/slides/slide16.xml><?xml version="1.0" encoding="utf-8"?>
+<file path=ppt/slides/slide15.xml><?xml version="1.0" encoding="utf-8"?>
 <p:sld xmlns:a="http://schemas.openxmlformats.org/drawingml/2006/main" xmlns:r="http://schemas.openxmlformats.org/officeDocument/2006/relationships" xmlns:p="http://schemas.openxmlformats.org/presentationml/2006/main">
   <p:cSld>
     <p:spTree>
@@ -18128,7 +17808,7 @@
             <a:fld id="{294A09A9-5501-47C1-A89A-A340965A2BE2}" type="slidenum">
               <a:rPr lang="it-IT" noProof="0" smtClean="0"/>
               <a:pPr rtl="0"/>
-              <a:t>16</a:t>
+              <a:t>15</a:t>
             </a:fld>
             <a:endParaRPr lang="it-IT" noProof="0" dirty="0"/>
           </a:p>
@@ -18729,7 +18409,7 @@
 </p:sld>
 </file>
 
-<file path=ppt/slides/slide17.xml><?xml version="1.0" encoding="utf-8"?>
+<file path=ppt/slides/slide16.xml><?xml version="1.0" encoding="utf-8"?>
 <p:sld xmlns:a="http://schemas.openxmlformats.org/drawingml/2006/main" xmlns:r="http://schemas.openxmlformats.org/officeDocument/2006/relationships" xmlns:p="http://schemas.openxmlformats.org/presentationml/2006/main">
   <p:cSld>
     <p:spTree>
@@ -19388,7 +19068,7 @@
             <a:fld id="{294A09A9-5501-47C1-A89A-A340965A2BE2}" type="slidenum">
               <a:rPr lang="it-IT" noProof="0" smtClean="0"/>
               <a:pPr rtl="0"/>
-              <a:t>17</a:t>
+              <a:t>16</a:t>
             </a:fld>
             <a:endParaRPr lang="it-IT" noProof="0" dirty="0"/>
           </a:p>
@@ -19423,8 +19103,8 @@
           </a:prstGeom>
         </p:spPr>
       </p:pic>
-      <mc:AlternateContent xmlns:mc="http://schemas.openxmlformats.org/markup-compatibility/2006" xmlns:a14="http://schemas.microsoft.com/office/drawing/2010/main">
-        <mc:Choice Requires="a14">
+      <mc:AlternateContent xmlns:mc="http://schemas.openxmlformats.org/markup-compatibility/2006">
+        <mc:Choice xmlns:a14="http://schemas.microsoft.com/office/drawing/2010/main" Requires="a14">
           <p:sp>
             <p:nvSpPr>
               <p:cNvPr id="6" name="CasellaDiTesto 5">
@@ -19440,7 +19120,7 @@
             <p:spPr>
               <a:xfrm>
                 <a:off x="2367170" y="4096521"/>
-                <a:ext cx="9486473" cy="2308324"/>
+                <a:ext cx="9486473" cy="1200329"/>
               </a:xfrm>
               <a:prstGeom prst="rect">
                 <a:avLst/>
@@ -19609,211 +19289,12 @@
                 </a:r>
               </a:p>
               <a:p>
-                <a:pPr marL="285750" indent="-285750">
-                  <a:buFont typeface="Arial" panose="020B0604020202020204" pitchFamily="34" charset="0"/>
-                  <a:buChar char="•"/>
-                </a:pPr>
-                <a:r>
-                  <a:rPr lang="en-GB" sz="1800" dirty="0">
-                    <a:solidFill>
-                      <a:srgbClr val="000000"/>
-                    </a:solidFill>
-                    <a:latin typeface="Calibri" panose="020F0502020204030204" pitchFamily="34" charset="0"/>
-                  </a:rPr>
-                  <a:t>Reducing  </a:t>
-                </a:r>
-                <a14:m>
-                  <m:oMath xmlns:m="http://schemas.openxmlformats.org/officeDocument/2006/math">
-                    <m:r>
-                      <a:rPr lang="en-GB" sz="1800" i="1" dirty="0" smtClean="0">
-                        <a:solidFill>
-                          <a:srgbClr val="000000"/>
-                        </a:solidFill>
-                        <a:latin typeface="Cambria Math" panose="02040503050406030204" pitchFamily="18" charset="0"/>
-                      </a:rPr>
-                      <m:t>𝑎</m:t>
-                    </m:r>
-                  </m:oMath>
-                </a14:m>
-                <a:r>
-                  <a:rPr lang="en-GB" sz="1800" dirty="0">
-                    <a:solidFill>
-                      <a:srgbClr val="000000"/>
-                    </a:solidFill>
-                    <a:latin typeface="Calibri" panose="020F0502020204030204" pitchFamily="34" charset="0"/>
-                  </a:rPr>
-                  <a:t> is equivalent to losing information, but many times reducing </a:t>
-                </a:r>
-                <a:r>
-                  <a:rPr lang="en-GB" dirty="0">
-                    <a:solidFill>
-                      <a:srgbClr val="000000"/>
-                    </a:solidFill>
-                    <a:latin typeface="Calibri" panose="020F0502020204030204" pitchFamily="34" charset="0"/>
-                  </a:rPr>
-                  <a:t> </a:t>
-                </a:r>
-                <a14:m>
-                  <m:oMath xmlns:m="http://schemas.openxmlformats.org/officeDocument/2006/math">
-                    <m:r>
-                      <a:rPr lang="en-GB" i="1" dirty="0">
-                        <a:solidFill>
-                          <a:srgbClr val="000000"/>
-                        </a:solidFill>
-                        <a:latin typeface="Cambria Math" panose="02040503050406030204" pitchFamily="18" charset="0"/>
-                      </a:rPr>
-                      <m:t>𝑎</m:t>
-                    </m:r>
-                  </m:oMath>
-                </a14:m>
-                <a:r>
-                  <a:rPr lang="en-GB" dirty="0">
-                    <a:solidFill>
-                      <a:srgbClr val="000000"/>
-                    </a:solidFill>
-                    <a:latin typeface="Calibri" panose="020F0502020204030204" pitchFamily="34" charset="0"/>
-                  </a:rPr>
-                  <a:t>  </a:t>
-                </a:r>
-                <a:r>
-                  <a:rPr lang="en-GB" sz="1800" dirty="0">
-                    <a:solidFill>
-                      <a:srgbClr val="000000"/>
-                    </a:solidFill>
-                    <a:latin typeface="Calibri" panose="020F0502020204030204" pitchFamily="34" charset="0"/>
-                  </a:rPr>
-                  <a:t>allows you to </a:t>
-                </a:r>
-                <a:r>
-                  <a:rPr lang="en-GB" sz="1800" b="1" dirty="0">
-                    <a:solidFill>
-                      <a:srgbClr val="000000"/>
-                    </a:solidFill>
-                    <a:latin typeface="Calibri" panose="020F0502020204030204" pitchFamily="34" charset="0"/>
-                  </a:rPr>
-                  <a:t>lose the information related to the error and to keep only the necessary information</a:t>
-                </a:r>
-                <a:r>
-                  <a:rPr lang="en-GB" sz="1800" dirty="0">
-                    <a:solidFill>
-                      <a:srgbClr val="000000"/>
-                    </a:solidFill>
-                    <a:latin typeface="Calibri" panose="020F0502020204030204" pitchFamily="34" charset="0"/>
-                  </a:rPr>
-                  <a:t>.</a:t>
-                </a:r>
-              </a:p>
-              <a:p>
-                <a:pPr marL="285750" indent="-285750">
-                  <a:buFont typeface="Arial" panose="020B0604020202020204" pitchFamily="34" charset="0"/>
-                  <a:buChar char="•"/>
-                </a:pPr>
-                <a:r>
-                  <a:rPr lang="en-GB" dirty="0">
-                    <a:solidFill>
-                      <a:srgbClr val="000000"/>
-                    </a:solidFill>
-                    <a:latin typeface="Calibri" panose="020F0502020204030204" pitchFamily="34" charset="0"/>
-                  </a:rPr>
-                  <a:t>T</a:t>
-                </a:r>
-                <a:r>
-                  <a:rPr lang="en-GB" sz="1800" dirty="0">
-                    <a:solidFill>
-                      <a:srgbClr val="000000"/>
-                    </a:solidFill>
-                    <a:latin typeface="Calibri" panose="020F0502020204030204" pitchFamily="34" charset="0"/>
-                  </a:rPr>
-                  <a:t>he choice of the ideal  </a:t>
-                </a:r>
-                <a14:m>
-                  <m:oMath xmlns:m="http://schemas.openxmlformats.org/officeDocument/2006/math">
-                    <m:r>
-                      <a:rPr lang="en-GB" sz="1800" i="1" dirty="0" smtClean="0">
-                        <a:solidFill>
-                          <a:srgbClr val="000000"/>
-                        </a:solidFill>
-                        <a:latin typeface="Cambria Math" panose="02040503050406030204" pitchFamily="18" charset="0"/>
-                      </a:rPr>
-                      <m:t>𝑎</m:t>
-                    </m:r>
-                  </m:oMath>
-                </a14:m>
-                <a:r>
-                  <a:rPr lang="en-GB" sz="1800" dirty="0">
-                    <a:solidFill>
-                      <a:srgbClr val="000000"/>
-                    </a:solidFill>
-                    <a:latin typeface="Calibri" panose="020F0502020204030204" pitchFamily="34" charset="0"/>
-                  </a:rPr>
-                  <a:t>  can be fixed (for example when we want to plot lower dimension data, </a:t>
-                </a:r>
-                <a14:m>
-                  <m:oMath xmlns:m="http://schemas.openxmlformats.org/officeDocument/2006/math">
-                    <m:r>
-                      <a:rPr lang="en-GB" sz="1800" i="1" dirty="0" smtClean="0">
-                        <a:solidFill>
-                          <a:srgbClr val="000000"/>
-                        </a:solidFill>
-                        <a:latin typeface="Cambria Math" panose="02040503050406030204" pitchFamily="18" charset="0"/>
-                      </a:rPr>
-                      <m:t>1&lt;</m:t>
-                    </m:r>
-                    <m:r>
-                      <a:rPr lang="en-GB" i="1" dirty="0" smtClean="0">
-                        <a:solidFill>
-                          <a:srgbClr val="000000"/>
-                        </a:solidFill>
-                        <a:latin typeface="Cambria Math" panose="02040503050406030204" pitchFamily="18" charset="0"/>
-                      </a:rPr>
-                      <m:t> </m:t>
-                    </m:r>
-                    <m:r>
-                      <a:rPr lang="en-GB" i="1" dirty="0" smtClean="0">
-                        <a:solidFill>
-                          <a:srgbClr val="000000"/>
-                        </a:solidFill>
-                        <a:latin typeface="Cambria Math" panose="02040503050406030204" pitchFamily="18" charset="0"/>
-                      </a:rPr>
-                      <m:t>𝑎</m:t>
-                    </m:r>
-                    <m:r>
-                      <a:rPr lang="en-GB" i="1" dirty="0" smtClean="0">
-                        <a:solidFill>
-                          <a:srgbClr val="000000"/>
-                        </a:solidFill>
-                        <a:latin typeface="Cambria Math" panose="02040503050406030204" pitchFamily="18" charset="0"/>
-                      </a:rPr>
-                      <m:t> &lt;3 </m:t>
-                    </m:r>
-                  </m:oMath>
-                </a14:m>
-                <a:r>
-                  <a:rPr lang="en-GB" dirty="0">
-                    <a:solidFill>
-                      <a:srgbClr val="000000"/>
-                    </a:solidFill>
-                    <a:latin typeface="Calibri" panose="020F0502020204030204" pitchFamily="34" charset="0"/>
-                  </a:rPr>
-                  <a:t>) or can be</a:t>
-                </a:r>
-                <a:r>
-                  <a:rPr lang="en-GB" sz="1800" dirty="0">
-                    <a:solidFill>
-                      <a:srgbClr val="000000"/>
-                    </a:solidFill>
-                    <a:latin typeface="Calibri" panose="020F0502020204030204" pitchFamily="34" charset="0"/>
-                  </a:rPr>
-                  <a:t> obtained with validation or cross-validation techniques.</a:t>
-                </a:r>
-              </a:p>
-              <a:p>
                 <a:endParaRPr lang="en-GB" dirty="0"/>
               </a:p>
             </p:txBody>
           </p:sp>
         </mc:Choice>
-        <mc:Fallback xmlns="">
+        <mc:Fallback>
           <p:sp>
             <p:nvSpPr>
               <p:cNvPr id="6" name="CasellaDiTesto 5">
@@ -19831,7 +19312,7 @@
             <p:spPr>
               <a:xfrm>
                 <a:off x="2367170" y="4096521"/>
-                <a:ext cx="9486473" cy="2308324"/>
+                <a:ext cx="9486473" cy="1200329"/>
               </a:xfrm>
               <a:prstGeom prst="rect">
                 <a:avLst/>
@@ -19839,7 +19320,7 @@
               <a:blipFill>
                 <a:blip r:embed="rId4"/>
                 <a:stretch>
-                  <a:fillRect l="-386" t="-1319" r="-964"/>
+                  <a:fillRect l="-386" t="-2538"/>
                 </a:stretch>
               </a:blipFill>
             </p:spPr>
@@ -19848,7 +19329,7 @@
               <a:lstStyle/>
               <a:p>
                 <a:r>
-                  <a:rPr lang="en-GB">
+                  <a:rPr lang="en-US">
                     <a:noFill/>
                   </a:rPr>
                   <a:t> </a:t>
@@ -19880,6 +19361,1093 @@
       </p:transition>
     </mc:Fallback>
   </mc:AlternateContent>
+</p:sld>
+</file>
+
+<file path=ppt/slides/slide17.xml><?xml version="1.0" encoding="utf-8"?>
+<p:sld xmlns:a="http://schemas.openxmlformats.org/drawingml/2006/main" xmlns:r="http://schemas.openxmlformats.org/officeDocument/2006/relationships" xmlns:p="http://schemas.openxmlformats.org/presentationml/2006/main">
+  <p:cSld>
+    <p:spTree>
+      <p:nvGrpSpPr>
+        <p:cNvPr id="1" name=""/>
+        <p:cNvGrpSpPr/>
+        <p:nvPr/>
+      </p:nvGrpSpPr>
+      <p:grpSpPr>
+        <a:xfrm>
+          <a:off x="0" y="0"/>
+          <a:ext cx="0" cy="0"/>
+          <a:chOff x="0" y="0"/>
+          <a:chExt cx="0" cy="0"/>
+        </a:xfrm>
+      </p:grpSpPr>
+      <p:sp>
+        <p:nvSpPr>
+          <p:cNvPr id="16" name="Titolo 15">
+            <a:extLst>
+              <a:ext uri="{FF2B5EF4-FFF2-40B4-BE49-F238E27FC236}">
+                <a16:creationId xmlns:a16="http://schemas.microsoft.com/office/drawing/2014/main" id="{16EAD976-EE7C-93F2-8804-1A9C947B7C18}"/>
+              </a:ext>
+            </a:extLst>
+          </p:cNvPr>
+          <p:cNvSpPr>
+            <a:spLocks noGrp="1"/>
+          </p:cNvSpPr>
+          <p:nvPr>
+            <p:ph type="title"/>
+          </p:nvPr>
+        </p:nvSpPr>
+        <p:spPr>
+          <a:xfrm>
+            <a:off x="964023" y="879063"/>
+            <a:ext cx="6426678" cy="610863"/>
+          </a:xfrm>
+        </p:spPr>
+        <p:txBody>
+          <a:bodyPr>
+            <a:normAutofit/>
+          </a:bodyPr>
+          <a:lstStyle/>
+          <a:p>
+            <a:r>
+              <a:rPr lang="it-IT" dirty="0"/>
+              <a:t>Reduction Order</a:t>
+            </a:r>
+            <a:endParaRPr lang="en-GB" dirty="0"/>
+          </a:p>
+        </p:txBody>
+      </p:sp>
+      <mc:AlternateContent xmlns:mc="http://schemas.openxmlformats.org/markup-compatibility/2006">
+        <mc:Choice xmlns:a14="http://schemas.microsoft.com/office/drawing/2010/main" Requires="a14">
+          <p:sp>
+            <p:nvSpPr>
+              <p:cNvPr id="17" name="Segnaposto testo 16">
+                <a:extLst>
+                  <a:ext uri="{FF2B5EF4-FFF2-40B4-BE49-F238E27FC236}">
+                    <a16:creationId xmlns:a16="http://schemas.microsoft.com/office/drawing/2014/main" id="{F607315A-FD03-651C-E630-0361C9CD9ABD}"/>
+                  </a:ext>
+                </a:extLst>
+              </p:cNvPr>
+              <p:cNvSpPr>
+                <a:spLocks noGrp="1"/>
+              </p:cNvSpPr>
+              <p:nvPr>
+                <p:ph type="body" sz="quarter" idx="11"/>
+              </p:nvPr>
+            </p:nvSpPr>
+            <p:spPr>
+              <a:xfrm>
+                <a:off x="1063828" y="2128730"/>
+                <a:ext cx="9162352" cy="3550617"/>
+              </a:xfrm>
+            </p:spPr>
+            <p:txBody>
+              <a:bodyPr/>
+              <a:lstStyle/>
+              <a:p>
+                <a:pPr marL="285750" indent="-285750">
+                  <a:buFont typeface="Arial" panose="020B0604020202020204" pitchFamily="34" charset="0"/>
+                  <a:buChar char="•"/>
+                </a:pPr>
+                <a:r>
+                  <a:rPr lang="en-US" sz="1800" dirty="0"/>
+                  <a:t>It’s important to select an appropriate number </a:t>
+                </a:r>
+                <a14:m>
+                  <m:oMath xmlns:m="http://schemas.openxmlformats.org/officeDocument/2006/math">
+                    <m:r>
+                      <a:rPr lang="en-US" sz="1800" i="1" dirty="0" smtClean="0">
+                        <a:latin typeface="Cambria Math" panose="02040503050406030204" pitchFamily="18" charset="0"/>
+                      </a:rPr>
+                      <m:t>𝑎</m:t>
+                    </m:r>
+                  </m:oMath>
+                </a14:m>
+                <a:r>
+                  <a:rPr lang="en-US" sz="1800" dirty="0"/>
+                  <a:t> of PLS ​​factors to get a good prediction.</a:t>
+                </a:r>
+              </a:p>
+              <a:p>
+                <a:pPr marL="285750" indent="-285750">
+                  <a:buFont typeface="Arial" panose="020B0604020202020204" pitchFamily="34" charset="0"/>
+                  <a:buChar char="•"/>
+                </a:pPr>
+                <a14:m>
+                  <m:oMath xmlns:m="http://schemas.openxmlformats.org/officeDocument/2006/math">
+                    <m:r>
+                      <m:rPr>
+                        <m:nor/>
+                      </m:rPr>
+                      <a:rPr lang="en-GB" sz="1800" dirty="0">
+                        <a:solidFill>
+                          <a:srgbClr val="000000"/>
+                        </a:solidFill>
+                        <a:latin typeface="Calibri" panose="020F0502020204030204" pitchFamily="34" charset="0"/>
+                      </a:rPr>
+                      <m:t>Reducing</m:t>
+                    </m:r>
+                    <m:r>
+                      <m:rPr>
+                        <m:nor/>
+                      </m:rPr>
+                      <a:rPr lang="en-GB" sz="1800" dirty="0">
+                        <a:solidFill>
+                          <a:srgbClr val="000000"/>
+                        </a:solidFill>
+                        <a:latin typeface="Calibri" panose="020F0502020204030204" pitchFamily="34" charset="0"/>
+                      </a:rPr>
+                      <m:t>  </m:t>
+                    </m:r>
+                    <m:r>
+                      <a:rPr lang="en-GB" sz="1800" i="1" dirty="0">
+                        <a:solidFill>
+                          <a:srgbClr val="000000"/>
+                        </a:solidFill>
+                        <a:latin typeface="Cambria Math" panose="02040503050406030204" pitchFamily="18" charset="0"/>
+                      </a:rPr>
+                      <m:t>𝑎</m:t>
+                    </m:r>
+                    <m:r>
+                      <m:rPr>
+                        <m:nor/>
+                      </m:rPr>
+                      <a:rPr lang="en-GB" sz="1800" dirty="0">
+                        <a:solidFill>
+                          <a:srgbClr val="000000"/>
+                        </a:solidFill>
+                        <a:latin typeface="Calibri" panose="020F0502020204030204" pitchFamily="34" charset="0"/>
+                      </a:rPr>
+                      <m:t> </m:t>
+                    </m:r>
+                    <m:r>
+                      <m:rPr>
+                        <m:nor/>
+                      </m:rPr>
+                      <a:rPr lang="en-GB" sz="1800" dirty="0">
+                        <a:solidFill>
+                          <a:srgbClr val="000000"/>
+                        </a:solidFill>
+                        <a:latin typeface="Calibri" panose="020F0502020204030204" pitchFamily="34" charset="0"/>
+                      </a:rPr>
+                      <m:t>is</m:t>
+                    </m:r>
+                    <m:r>
+                      <m:rPr>
+                        <m:nor/>
+                      </m:rPr>
+                      <a:rPr lang="en-GB" sz="1800" dirty="0">
+                        <a:solidFill>
+                          <a:srgbClr val="000000"/>
+                        </a:solidFill>
+                        <a:latin typeface="Calibri" panose="020F0502020204030204" pitchFamily="34" charset="0"/>
+                      </a:rPr>
+                      <m:t> </m:t>
+                    </m:r>
+                    <m:r>
+                      <m:rPr>
+                        <m:nor/>
+                      </m:rPr>
+                      <a:rPr lang="en-GB" sz="1800" dirty="0">
+                        <a:solidFill>
+                          <a:srgbClr val="000000"/>
+                        </a:solidFill>
+                        <a:latin typeface="Calibri" panose="020F0502020204030204" pitchFamily="34" charset="0"/>
+                      </a:rPr>
+                      <m:t>equivalent</m:t>
+                    </m:r>
+                    <m:r>
+                      <m:rPr>
+                        <m:nor/>
+                      </m:rPr>
+                      <a:rPr lang="en-GB" sz="1800" dirty="0">
+                        <a:solidFill>
+                          <a:srgbClr val="000000"/>
+                        </a:solidFill>
+                        <a:latin typeface="Calibri" panose="020F0502020204030204" pitchFamily="34" charset="0"/>
+                      </a:rPr>
+                      <m:t> </m:t>
+                    </m:r>
+                    <m:r>
+                      <m:rPr>
+                        <m:nor/>
+                      </m:rPr>
+                      <a:rPr lang="en-GB" sz="1800" dirty="0">
+                        <a:solidFill>
+                          <a:srgbClr val="000000"/>
+                        </a:solidFill>
+                        <a:latin typeface="Calibri" panose="020F0502020204030204" pitchFamily="34" charset="0"/>
+                      </a:rPr>
+                      <m:t>to</m:t>
+                    </m:r>
+                    <m:r>
+                      <m:rPr>
+                        <m:nor/>
+                      </m:rPr>
+                      <a:rPr lang="en-GB" sz="1800" dirty="0">
+                        <a:solidFill>
+                          <a:srgbClr val="000000"/>
+                        </a:solidFill>
+                        <a:latin typeface="Calibri" panose="020F0502020204030204" pitchFamily="34" charset="0"/>
+                      </a:rPr>
+                      <m:t> </m:t>
+                    </m:r>
+                    <m:r>
+                      <m:rPr>
+                        <m:nor/>
+                      </m:rPr>
+                      <a:rPr lang="en-GB" sz="1800" dirty="0">
+                        <a:solidFill>
+                          <a:srgbClr val="000000"/>
+                        </a:solidFill>
+                        <a:latin typeface="Calibri" panose="020F0502020204030204" pitchFamily="34" charset="0"/>
+                      </a:rPr>
+                      <m:t>losing</m:t>
+                    </m:r>
+                    <m:r>
+                      <m:rPr>
+                        <m:nor/>
+                      </m:rPr>
+                      <a:rPr lang="en-GB" sz="1800" dirty="0">
+                        <a:solidFill>
+                          <a:srgbClr val="000000"/>
+                        </a:solidFill>
+                        <a:latin typeface="Calibri" panose="020F0502020204030204" pitchFamily="34" charset="0"/>
+                      </a:rPr>
+                      <m:t> </m:t>
+                    </m:r>
+                    <m:r>
+                      <m:rPr>
+                        <m:nor/>
+                      </m:rPr>
+                      <a:rPr lang="en-GB" sz="1800" dirty="0">
+                        <a:solidFill>
+                          <a:srgbClr val="000000"/>
+                        </a:solidFill>
+                        <a:latin typeface="Calibri" panose="020F0502020204030204" pitchFamily="34" charset="0"/>
+                      </a:rPr>
+                      <m:t>information</m:t>
+                    </m:r>
+                    <m:r>
+                      <m:rPr>
+                        <m:nor/>
+                      </m:rPr>
+                      <a:rPr lang="en-GB" sz="1800" dirty="0">
+                        <a:solidFill>
+                          <a:srgbClr val="000000"/>
+                        </a:solidFill>
+                        <a:latin typeface="Calibri" panose="020F0502020204030204" pitchFamily="34" charset="0"/>
+                      </a:rPr>
+                      <m:t>, </m:t>
+                    </m:r>
+                    <m:r>
+                      <m:rPr>
+                        <m:nor/>
+                      </m:rPr>
+                      <a:rPr lang="en-GB" sz="1800" dirty="0">
+                        <a:solidFill>
+                          <a:srgbClr val="000000"/>
+                        </a:solidFill>
+                        <a:latin typeface="Calibri" panose="020F0502020204030204" pitchFamily="34" charset="0"/>
+                      </a:rPr>
+                      <m:t>but</m:t>
+                    </m:r>
+                    <m:r>
+                      <m:rPr>
+                        <m:nor/>
+                      </m:rPr>
+                      <a:rPr lang="en-GB" sz="1800" dirty="0">
+                        <a:solidFill>
+                          <a:srgbClr val="000000"/>
+                        </a:solidFill>
+                        <a:latin typeface="Calibri" panose="020F0502020204030204" pitchFamily="34" charset="0"/>
+                      </a:rPr>
+                      <m:t> </m:t>
+                    </m:r>
+                    <m:r>
+                      <m:rPr>
+                        <m:nor/>
+                      </m:rPr>
+                      <a:rPr lang="en-GB" sz="1800" dirty="0">
+                        <a:solidFill>
+                          <a:srgbClr val="000000"/>
+                        </a:solidFill>
+                        <a:latin typeface="Calibri" panose="020F0502020204030204" pitchFamily="34" charset="0"/>
+                      </a:rPr>
+                      <m:t>many</m:t>
+                    </m:r>
+                    <m:r>
+                      <m:rPr>
+                        <m:nor/>
+                      </m:rPr>
+                      <a:rPr lang="en-GB" sz="1800" dirty="0">
+                        <a:solidFill>
+                          <a:srgbClr val="000000"/>
+                        </a:solidFill>
+                        <a:latin typeface="Calibri" panose="020F0502020204030204" pitchFamily="34" charset="0"/>
+                      </a:rPr>
+                      <m:t> </m:t>
+                    </m:r>
+                    <m:r>
+                      <m:rPr>
+                        <m:nor/>
+                      </m:rPr>
+                      <a:rPr lang="en-GB" sz="1800" dirty="0">
+                        <a:solidFill>
+                          <a:srgbClr val="000000"/>
+                        </a:solidFill>
+                        <a:latin typeface="Calibri" panose="020F0502020204030204" pitchFamily="34" charset="0"/>
+                      </a:rPr>
+                      <m:t>times</m:t>
+                    </m:r>
+                    <m:r>
+                      <m:rPr>
+                        <m:nor/>
+                      </m:rPr>
+                      <a:rPr lang="en-GB" sz="1800" dirty="0">
+                        <a:solidFill>
+                          <a:srgbClr val="000000"/>
+                        </a:solidFill>
+                        <a:latin typeface="Calibri" panose="020F0502020204030204" pitchFamily="34" charset="0"/>
+                      </a:rPr>
+                      <m:t> </m:t>
+                    </m:r>
+                    <m:r>
+                      <m:rPr>
+                        <m:nor/>
+                      </m:rPr>
+                      <a:rPr lang="en-GB" sz="1800" dirty="0">
+                        <a:solidFill>
+                          <a:srgbClr val="000000"/>
+                        </a:solidFill>
+                        <a:latin typeface="Calibri" panose="020F0502020204030204" pitchFamily="34" charset="0"/>
+                      </a:rPr>
+                      <m:t>reducing</m:t>
+                    </m:r>
+                    <m:r>
+                      <m:rPr>
+                        <m:nor/>
+                      </m:rPr>
+                      <a:rPr lang="en-GB" sz="1800" dirty="0">
+                        <a:solidFill>
+                          <a:srgbClr val="000000"/>
+                        </a:solidFill>
+                        <a:latin typeface="Calibri" panose="020F0502020204030204" pitchFamily="34" charset="0"/>
+                      </a:rPr>
+                      <m:t>  </m:t>
+                    </m:r>
+                    <m:r>
+                      <a:rPr lang="en-GB" sz="1800" i="1" dirty="0">
+                        <a:solidFill>
+                          <a:srgbClr val="000000"/>
+                        </a:solidFill>
+                        <a:latin typeface="Cambria Math" panose="02040503050406030204" pitchFamily="18" charset="0"/>
+                      </a:rPr>
+                      <m:t>𝑎</m:t>
+                    </m:r>
+                    <m:r>
+                      <m:rPr>
+                        <m:nor/>
+                      </m:rPr>
+                      <a:rPr lang="en-GB" sz="1800" dirty="0">
+                        <a:solidFill>
+                          <a:srgbClr val="000000"/>
+                        </a:solidFill>
+                        <a:latin typeface="Calibri" panose="020F0502020204030204" pitchFamily="34" charset="0"/>
+                      </a:rPr>
+                      <m:t>  </m:t>
+                    </m:r>
+                    <m:r>
+                      <m:rPr>
+                        <m:nor/>
+                      </m:rPr>
+                      <a:rPr lang="en-GB" sz="1800" dirty="0">
+                        <a:solidFill>
+                          <a:srgbClr val="000000"/>
+                        </a:solidFill>
+                        <a:latin typeface="Calibri" panose="020F0502020204030204" pitchFamily="34" charset="0"/>
+                      </a:rPr>
+                      <m:t>allows</m:t>
+                    </m:r>
+                    <m:r>
+                      <m:rPr>
+                        <m:nor/>
+                      </m:rPr>
+                      <a:rPr lang="en-GB" sz="1800" dirty="0">
+                        <a:solidFill>
+                          <a:srgbClr val="000000"/>
+                        </a:solidFill>
+                        <a:latin typeface="Calibri" panose="020F0502020204030204" pitchFamily="34" charset="0"/>
+                      </a:rPr>
+                      <m:t> </m:t>
+                    </m:r>
+                    <m:r>
+                      <m:rPr>
+                        <m:nor/>
+                      </m:rPr>
+                      <a:rPr lang="en-GB" sz="1800" dirty="0">
+                        <a:solidFill>
+                          <a:srgbClr val="000000"/>
+                        </a:solidFill>
+                        <a:latin typeface="Calibri" panose="020F0502020204030204" pitchFamily="34" charset="0"/>
+                      </a:rPr>
+                      <m:t>you</m:t>
+                    </m:r>
+                    <m:r>
+                      <m:rPr>
+                        <m:nor/>
+                      </m:rPr>
+                      <a:rPr lang="en-GB" sz="1800" dirty="0">
+                        <a:solidFill>
+                          <a:srgbClr val="000000"/>
+                        </a:solidFill>
+                        <a:latin typeface="Calibri" panose="020F0502020204030204" pitchFamily="34" charset="0"/>
+                      </a:rPr>
+                      <m:t> </m:t>
+                    </m:r>
+                    <m:r>
+                      <m:rPr>
+                        <m:nor/>
+                      </m:rPr>
+                      <a:rPr lang="en-GB" sz="1800" dirty="0">
+                        <a:solidFill>
+                          <a:srgbClr val="000000"/>
+                        </a:solidFill>
+                        <a:latin typeface="Calibri" panose="020F0502020204030204" pitchFamily="34" charset="0"/>
+                      </a:rPr>
+                      <m:t>to</m:t>
+                    </m:r>
+                    <m:r>
+                      <m:rPr>
+                        <m:nor/>
+                      </m:rPr>
+                      <a:rPr lang="en-GB" sz="1800" dirty="0">
+                        <a:solidFill>
+                          <a:srgbClr val="000000"/>
+                        </a:solidFill>
+                        <a:latin typeface="Calibri" panose="020F0502020204030204" pitchFamily="34" charset="0"/>
+                      </a:rPr>
+                      <m:t> </m:t>
+                    </m:r>
+                    <m:r>
+                      <m:rPr>
+                        <m:nor/>
+                      </m:rPr>
+                      <a:rPr lang="en-GB" sz="1800" b="1" dirty="0">
+                        <a:solidFill>
+                          <a:srgbClr val="000000"/>
+                        </a:solidFill>
+                        <a:latin typeface="Calibri" panose="020F0502020204030204" pitchFamily="34" charset="0"/>
+                      </a:rPr>
+                      <m:t>lose</m:t>
+                    </m:r>
+                    <m:r>
+                      <m:rPr>
+                        <m:nor/>
+                      </m:rPr>
+                      <a:rPr lang="en-GB" sz="1800" b="1" dirty="0">
+                        <a:solidFill>
+                          <a:srgbClr val="000000"/>
+                        </a:solidFill>
+                        <a:latin typeface="Calibri" panose="020F0502020204030204" pitchFamily="34" charset="0"/>
+                      </a:rPr>
+                      <m:t> </m:t>
+                    </m:r>
+                    <m:r>
+                      <m:rPr>
+                        <m:nor/>
+                      </m:rPr>
+                      <a:rPr lang="en-GB" sz="1800" b="1" dirty="0">
+                        <a:solidFill>
+                          <a:srgbClr val="000000"/>
+                        </a:solidFill>
+                        <a:latin typeface="Calibri" panose="020F0502020204030204" pitchFamily="34" charset="0"/>
+                      </a:rPr>
+                      <m:t>the</m:t>
+                    </m:r>
+                    <m:r>
+                      <m:rPr>
+                        <m:nor/>
+                      </m:rPr>
+                      <a:rPr lang="en-GB" sz="1800" b="1" dirty="0">
+                        <a:solidFill>
+                          <a:srgbClr val="000000"/>
+                        </a:solidFill>
+                        <a:latin typeface="Calibri" panose="020F0502020204030204" pitchFamily="34" charset="0"/>
+                      </a:rPr>
+                      <m:t> </m:t>
+                    </m:r>
+                    <m:r>
+                      <m:rPr>
+                        <m:nor/>
+                      </m:rPr>
+                      <a:rPr lang="en-GB" sz="1800" b="1" dirty="0">
+                        <a:solidFill>
+                          <a:srgbClr val="000000"/>
+                        </a:solidFill>
+                        <a:latin typeface="Calibri" panose="020F0502020204030204" pitchFamily="34" charset="0"/>
+                      </a:rPr>
+                      <m:t>information</m:t>
+                    </m:r>
+                    <m:r>
+                      <m:rPr>
+                        <m:nor/>
+                      </m:rPr>
+                      <a:rPr lang="en-GB" sz="1800" b="1" dirty="0">
+                        <a:solidFill>
+                          <a:srgbClr val="000000"/>
+                        </a:solidFill>
+                        <a:latin typeface="Calibri" panose="020F0502020204030204" pitchFamily="34" charset="0"/>
+                      </a:rPr>
+                      <m:t> </m:t>
+                    </m:r>
+                    <m:r>
+                      <m:rPr>
+                        <m:nor/>
+                      </m:rPr>
+                      <a:rPr lang="en-GB" sz="1800" b="1" dirty="0">
+                        <a:solidFill>
+                          <a:srgbClr val="000000"/>
+                        </a:solidFill>
+                        <a:latin typeface="Calibri" panose="020F0502020204030204" pitchFamily="34" charset="0"/>
+                      </a:rPr>
+                      <m:t>related</m:t>
+                    </m:r>
+                    <m:r>
+                      <m:rPr>
+                        <m:nor/>
+                      </m:rPr>
+                      <a:rPr lang="en-GB" sz="1800" b="1" dirty="0">
+                        <a:solidFill>
+                          <a:srgbClr val="000000"/>
+                        </a:solidFill>
+                        <a:latin typeface="Calibri" panose="020F0502020204030204" pitchFamily="34" charset="0"/>
+                      </a:rPr>
+                      <m:t> </m:t>
+                    </m:r>
+                    <m:r>
+                      <m:rPr>
+                        <m:nor/>
+                      </m:rPr>
+                      <a:rPr lang="en-GB" sz="1800" b="1" dirty="0">
+                        <a:solidFill>
+                          <a:srgbClr val="000000"/>
+                        </a:solidFill>
+                        <a:latin typeface="Calibri" panose="020F0502020204030204" pitchFamily="34" charset="0"/>
+                      </a:rPr>
+                      <m:t>to</m:t>
+                    </m:r>
+                    <m:r>
+                      <m:rPr>
+                        <m:nor/>
+                      </m:rPr>
+                      <a:rPr lang="en-GB" sz="1800" b="1" dirty="0">
+                        <a:solidFill>
+                          <a:srgbClr val="000000"/>
+                        </a:solidFill>
+                        <a:latin typeface="Calibri" panose="020F0502020204030204" pitchFamily="34" charset="0"/>
+                      </a:rPr>
+                      <m:t> </m:t>
+                    </m:r>
+                    <m:r>
+                      <m:rPr>
+                        <m:nor/>
+                      </m:rPr>
+                      <a:rPr lang="en-GB" sz="1800" b="1" dirty="0">
+                        <a:solidFill>
+                          <a:srgbClr val="000000"/>
+                        </a:solidFill>
+                        <a:latin typeface="Calibri" panose="020F0502020204030204" pitchFamily="34" charset="0"/>
+                      </a:rPr>
+                      <m:t>the</m:t>
+                    </m:r>
+                    <m:r>
+                      <m:rPr>
+                        <m:nor/>
+                      </m:rPr>
+                      <a:rPr lang="en-GB" sz="1800" b="1" dirty="0">
+                        <a:solidFill>
+                          <a:srgbClr val="000000"/>
+                        </a:solidFill>
+                        <a:latin typeface="Calibri" panose="020F0502020204030204" pitchFamily="34" charset="0"/>
+                      </a:rPr>
+                      <m:t> </m:t>
+                    </m:r>
+                    <m:r>
+                      <m:rPr>
+                        <m:nor/>
+                      </m:rPr>
+                      <a:rPr lang="en-GB" sz="1800" b="1" dirty="0">
+                        <a:solidFill>
+                          <a:srgbClr val="000000"/>
+                        </a:solidFill>
+                        <a:latin typeface="Calibri" panose="020F0502020204030204" pitchFamily="34" charset="0"/>
+                      </a:rPr>
+                      <m:t>error</m:t>
+                    </m:r>
+                    <m:r>
+                      <m:rPr>
+                        <m:nor/>
+                      </m:rPr>
+                      <a:rPr lang="en-GB" sz="1800" b="1" dirty="0">
+                        <a:solidFill>
+                          <a:srgbClr val="000000"/>
+                        </a:solidFill>
+                        <a:latin typeface="Calibri" panose="020F0502020204030204" pitchFamily="34" charset="0"/>
+                      </a:rPr>
+                      <m:t> </m:t>
+                    </m:r>
+                    <m:r>
+                      <m:rPr>
+                        <m:nor/>
+                      </m:rPr>
+                      <a:rPr lang="en-GB" sz="1800" b="1" dirty="0">
+                        <a:solidFill>
+                          <a:srgbClr val="000000"/>
+                        </a:solidFill>
+                        <a:latin typeface="Calibri" panose="020F0502020204030204" pitchFamily="34" charset="0"/>
+                      </a:rPr>
+                      <m:t>and</m:t>
+                    </m:r>
+                    <m:r>
+                      <m:rPr>
+                        <m:nor/>
+                      </m:rPr>
+                      <a:rPr lang="en-GB" sz="1800" b="1" dirty="0">
+                        <a:solidFill>
+                          <a:srgbClr val="000000"/>
+                        </a:solidFill>
+                        <a:latin typeface="Calibri" panose="020F0502020204030204" pitchFamily="34" charset="0"/>
+                      </a:rPr>
+                      <m:t> </m:t>
+                    </m:r>
+                    <m:r>
+                      <m:rPr>
+                        <m:nor/>
+                      </m:rPr>
+                      <a:rPr lang="en-GB" sz="1800" b="1" dirty="0">
+                        <a:solidFill>
+                          <a:srgbClr val="000000"/>
+                        </a:solidFill>
+                        <a:latin typeface="Calibri" panose="020F0502020204030204" pitchFamily="34" charset="0"/>
+                      </a:rPr>
+                      <m:t>to</m:t>
+                    </m:r>
+                    <m:r>
+                      <m:rPr>
+                        <m:nor/>
+                      </m:rPr>
+                      <a:rPr lang="en-GB" sz="1800" b="1" dirty="0">
+                        <a:solidFill>
+                          <a:srgbClr val="000000"/>
+                        </a:solidFill>
+                        <a:latin typeface="Calibri" panose="020F0502020204030204" pitchFamily="34" charset="0"/>
+                      </a:rPr>
+                      <m:t> </m:t>
+                    </m:r>
+                    <m:r>
+                      <m:rPr>
+                        <m:nor/>
+                      </m:rPr>
+                      <a:rPr lang="en-GB" sz="1800" b="1" dirty="0">
+                        <a:solidFill>
+                          <a:srgbClr val="000000"/>
+                        </a:solidFill>
+                        <a:latin typeface="Calibri" panose="020F0502020204030204" pitchFamily="34" charset="0"/>
+                      </a:rPr>
+                      <m:t>keep</m:t>
+                    </m:r>
+                    <m:r>
+                      <m:rPr>
+                        <m:nor/>
+                      </m:rPr>
+                      <a:rPr lang="en-GB" sz="1800" b="1" dirty="0">
+                        <a:solidFill>
+                          <a:srgbClr val="000000"/>
+                        </a:solidFill>
+                        <a:latin typeface="Calibri" panose="020F0502020204030204" pitchFamily="34" charset="0"/>
+                      </a:rPr>
+                      <m:t> </m:t>
+                    </m:r>
+                    <m:r>
+                      <m:rPr>
+                        <m:nor/>
+                      </m:rPr>
+                      <a:rPr lang="en-GB" sz="1800" b="1" dirty="0">
+                        <a:solidFill>
+                          <a:srgbClr val="000000"/>
+                        </a:solidFill>
+                        <a:latin typeface="Calibri" panose="020F0502020204030204" pitchFamily="34" charset="0"/>
+                      </a:rPr>
+                      <m:t>only</m:t>
+                    </m:r>
+                    <m:r>
+                      <m:rPr>
+                        <m:nor/>
+                      </m:rPr>
+                      <a:rPr lang="en-GB" sz="1800" b="1" dirty="0">
+                        <a:solidFill>
+                          <a:srgbClr val="000000"/>
+                        </a:solidFill>
+                        <a:latin typeface="Calibri" panose="020F0502020204030204" pitchFamily="34" charset="0"/>
+                      </a:rPr>
+                      <m:t> </m:t>
+                    </m:r>
+                    <m:r>
+                      <m:rPr>
+                        <m:nor/>
+                      </m:rPr>
+                      <a:rPr lang="en-GB" sz="1800" b="1" dirty="0">
+                        <a:solidFill>
+                          <a:srgbClr val="000000"/>
+                        </a:solidFill>
+                        <a:latin typeface="Calibri" panose="020F0502020204030204" pitchFamily="34" charset="0"/>
+                      </a:rPr>
+                      <m:t>the</m:t>
+                    </m:r>
+                    <m:r>
+                      <m:rPr>
+                        <m:nor/>
+                      </m:rPr>
+                      <a:rPr lang="en-GB" sz="1800" b="1" dirty="0">
+                        <a:solidFill>
+                          <a:srgbClr val="000000"/>
+                        </a:solidFill>
+                        <a:latin typeface="Calibri" panose="020F0502020204030204" pitchFamily="34" charset="0"/>
+                      </a:rPr>
+                      <m:t> </m:t>
+                    </m:r>
+                    <m:r>
+                      <m:rPr>
+                        <m:nor/>
+                      </m:rPr>
+                      <a:rPr lang="en-GB" sz="1800" b="1" dirty="0">
+                        <a:solidFill>
+                          <a:srgbClr val="000000"/>
+                        </a:solidFill>
+                        <a:latin typeface="Calibri" panose="020F0502020204030204" pitchFamily="34" charset="0"/>
+                      </a:rPr>
+                      <m:t>necessary</m:t>
+                    </m:r>
+                    <m:r>
+                      <m:rPr>
+                        <m:nor/>
+                      </m:rPr>
+                      <a:rPr lang="en-GB" sz="1800" b="1" dirty="0">
+                        <a:solidFill>
+                          <a:srgbClr val="000000"/>
+                        </a:solidFill>
+                        <a:latin typeface="Calibri" panose="020F0502020204030204" pitchFamily="34" charset="0"/>
+                      </a:rPr>
+                      <m:t> </m:t>
+                    </m:r>
+                    <m:r>
+                      <m:rPr>
+                        <m:nor/>
+                      </m:rPr>
+                      <a:rPr lang="en-GB" sz="1800" b="1" dirty="0">
+                        <a:solidFill>
+                          <a:srgbClr val="000000"/>
+                        </a:solidFill>
+                        <a:latin typeface="Calibri" panose="020F0502020204030204" pitchFamily="34" charset="0"/>
+                      </a:rPr>
+                      <m:t>information</m:t>
+                    </m:r>
+                    <m:r>
+                      <m:rPr>
+                        <m:nor/>
+                      </m:rPr>
+                      <a:rPr lang="en-GB" sz="1800" dirty="0">
+                        <a:solidFill>
+                          <a:srgbClr val="000000"/>
+                        </a:solidFill>
+                        <a:latin typeface="Calibri" panose="020F0502020204030204" pitchFamily="34" charset="0"/>
+                      </a:rPr>
+                      <m:t>.</m:t>
+                    </m:r>
+                  </m:oMath>
+                </a14:m>
+                <a:endParaRPr lang="en-GB" sz="1800" dirty="0">
+                  <a:solidFill>
+                    <a:srgbClr val="000000"/>
+                  </a:solidFill>
+                  <a:latin typeface="Calibri" panose="020F0502020204030204" pitchFamily="34" charset="0"/>
+                </a:endParaRPr>
+              </a:p>
+              <a:p>
+                <a:pPr marL="285750" indent="-285750">
+                  <a:buFont typeface="Arial" panose="020B0604020202020204" pitchFamily="34" charset="0"/>
+                  <a:buChar char="•"/>
+                </a:pPr>
+                <a14:m>
+                  <m:oMath xmlns:m="http://schemas.openxmlformats.org/officeDocument/2006/math">
+                    <m:r>
+                      <a:rPr lang="en-GB" sz="1800" i="1" dirty="0" smtClean="0">
+                        <a:solidFill>
+                          <a:srgbClr val="000000"/>
+                        </a:solidFill>
+                        <a:latin typeface="Cambria Math" panose="02040503050406030204" pitchFamily="18" charset="0"/>
+                      </a:rPr>
+                      <m:t>𝑎</m:t>
+                    </m:r>
+                  </m:oMath>
+                </a14:m>
+                <a:r>
+                  <a:rPr lang="en-GB" sz="1800" dirty="0">
+                    <a:solidFill>
+                      <a:srgbClr val="000000"/>
+                    </a:solidFill>
+                    <a:latin typeface="Calibri" panose="020F0502020204030204" pitchFamily="34" charset="0"/>
+                  </a:rPr>
+                  <a:t>  </a:t>
+                </a:r>
+                <a:r>
+                  <a:rPr lang="en-GB" sz="1800" b="1" dirty="0">
+                    <a:solidFill>
+                      <a:srgbClr val="000000"/>
+                    </a:solidFill>
+                    <a:latin typeface="Calibri" panose="020F0502020204030204" pitchFamily="34" charset="0"/>
+                  </a:rPr>
+                  <a:t>can be fixed</a:t>
+                </a:r>
+                <a:r>
+                  <a:rPr lang="en-GB" sz="1800" dirty="0">
+                    <a:solidFill>
+                      <a:srgbClr val="000000"/>
+                    </a:solidFill>
+                    <a:latin typeface="Calibri" panose="020F0502020204030204" pitchFamily="34" charset="0"/>
+                  </a:rPr>
+                  <a:t>, for example when we want to plot lower dimension data, </a:t>
+                </a:r>
+                <a14:m>
+                  <m:oMath xmlns:m="http://schemas.openxmlformats.org/officeDocument/2006/math">
+                    <m:r>
+                      <a:rPr lang="en-GB" sz="1800" i="1" dirty="0" smtClean="0">
+                        <a:solidFill>
+                          <a:srgbClr val="000000"/>
+                        </a:solidFill>
+                        <a:latin typeface="Cambria Math" panose="02040503050406030204" pitchFamily="18" charset="0"/>
+                      </a:rPr>
+                      <m:t>1&lt;</m:t>
+                    </m:r>
+                    <m:r>
+                      <a:rPr lang="en-GB" sz="2000" i="1" dirty="0" smtClean="0">
+                        <a:solidFill>
+                          <a:srgbClr val="000000"/>
+                        </a:solidFill>
+                        <a:latin typeface="Cambria Math" panose="02040503050406030204" pitchFamily="18" charset="0"/>
+                      </a:rPr>
+                      <m:t> </m:t>
+                    </m:r>
+                    <m:r>
+                      <a:rPr lang="en-GB" sz="2000" i="1" dirty="0" smtClean="0">
+                        <a:solidFill>
+                          <a:srgbClr val="000000"/>
+                        </a:solidFill>
+                        <a:latin typeface="Cambria Math" panose="02040503050406030204" pitchFamily="18" charset="0"/>
+                      </a:rPr>
+                      <m:t>𝑎</m:t>
+                    </m:r>
+                    <m:r>
+                      <a:rPr lang="en-GB" sz="2000" i="1" dirty="0" smtClean="0">
+                        <a:solidFill>
+                          <a:srgbClr val="000000"/>
+                        </a:solidFill>
+                        <a:latin typeface="Cambria Math" panose="02040503050406030204" pitchFamily="18" charset="0"/>
+                      </a:rPr>
+                      <m:t> &lt;3 </m:t>
+                    </m:r>
+                  </m:oMath>
+                </a14:m>
+                <a:r>
+                  <a:rPr lang="en-GB" sz="2000" dirty="0">
+                    <a:solidFill>
+                      <a:srgbClr val="000000"/>
+                    </a:solidFill>
+                    <a:latin typeface="Calibri" panose="020F0502020204030204" pitchFamily="34" charset="0"/>
+                  </a:rPr>
+                  <a:t>. </a:t>
+                </a:r>
+              </a:p>
+              <a:p>
+                <a:pPr marL="285750" indent="-285750">
+                  <a:buFont typeface="Arial" panose="020B0604020202020204" pitchFamily="34" charset="0"/>
+                  <a:buChar char="•"/>
+                </a:pPr>
+                <a:r>
+                  <a:rPr lang="en-GB" sz="1800" dirty="0"/>
+                  <a:t>Otherwise with </a:t>
+                </a:r>
+                <a:r>
+                  <a:rPr lang="en-GB" sz="1800" b="1" dirty="0"/>
+                  <a:t>validation and cross-validation techniques</a:t>
+                </a:r>
+                <a:r>
+                  <a:rPr lang="en-GB" sz="1800" dirty="0"/>
+                  <a:t>, we find the </a:t>
+                </a:r>
+                <a14:m>
+                  <m:oMath xmlns:m="http://schemas.openxmlformats.org/officeDocument/2006/math">
+                    <m:r>
+                      <a:rPr lang="en-GB" sz="1800" dirty="0">
+                        <a:latin typeface="Cambria Math" panose="02040503050406030204" pitchFamily="18" charset="0"/>
+                      </a:rPr>
+                      <m:t>𝑎</m:t>
+                    </m:r>
+                  </m:oMath>
+                </a14:m>
+                <a:r>
+                  <a:rPr lang="en-GB" sz="1800" dirty="0"/>
+                  <a:t> value that minimizes one of the following measures:</a:t>
+                </a:r>
+              </a:p>
+              <a:p>
+                <a:pPr marL="342900" indent="-342900">
+                  <a:buFont typeface="+mj-lt"/>
+                  <a:buAutoNum type="arabicPeriod"/>
+                </a:pPr>
+                <a:r>
+                  <a:rPr lang="en-US" sz="1800" dirty="0"/>
+                  <a:t>The sum of squared residuals. </a:t>
+                </a:r>
+              </a:p>
+              <a:p>
+                <a:pPr marL="342900" indent="-342900">
+                  <a:buFont typeface="+mj-lt"/>
+                  <a:buAutoNum type="arabicPeriod"/>
+                </a:pPr>
+                <a:r>
+                  <a:rPr lang="en-US" sz="1800" dirty="0"/>
+                  <a:t>The information criterion.</a:t>
+                </a:r>
+              </a:p>
+              <a:p>
+                <a:pPr marL="342900" indent="-342900">
+                  <a:buFont typeface="+mj-lt"/>
+                  <a:buAutoNum type="arabicPeriod"/>
+                </a:pPr>
+                <a:r>
+                  <a:rPr lang="en-US" sz="1800" dirty="0"/>
+                  <a:t>The misclassification error (most used in fault detection).</a:t>
+                </a:r>
+              </a:p>
+              <a:p>
+                <a:pPr marL="457200" marR="0" lvl="1" indent="0" algn="l" defTabSz="914400" rtl="0" eaLnBrk="1" fontAlgn="auto" latinLnBrk="0" hangingPunct="1">
+                  <a:lnSpc>
+                    <a:spcPct val="90000"/>
+                  </a:lnSpc>
+                  <a:spcBef>
+                    <a:spcPts val="500"/>
+                  </a:spcBef>
+                  <a:spcAft>
+                    <a:spcPts val="0"/>
+                  </a:spcAft>
+                  <a:buClrTx/>
+                  <a:buSzTx/>
+                  <a:buNone/>
+                  <a:tabLst/>
+                  <a:defRPr/>
+                </a:pPr>
+                <a:endParaRPr lang="en-US" sz="1800" dirty="0"/>
+              </a:p>
+              <a:p>
+                <a:pPr marL="285750" indent="-285750">
+                  <a:buFont typeface="Arial" panose="020B0604020202020204" pitchFamily="34" charset="0"/>
+                  <a:buChar char="•"/>
+                </a:pPr>
+                <a:endParaRPr lang="en-US" sz="1800" dirty="0"/>
+              </a:p>
+            </p:txBody>
+          </p:sp>
+        </mc:Choice>
+        <mc:Fallback>
+          <p:sp>
+            <p:nvSpPr>
+              <p:cNvPr id="17" name="Segnaposto testo 16">
+                <a:extLst>
+                  <a:ext uri="{FF2B5EF4-FFF2-40B4-BE49-F238E27FC236}">
+                    <a16:creationId xmlns:a16="http://schemas.microsoft.com/office/drawing/2014/main" id="{F607315A-FD03-651C-E630-0361C9CD9ABD}"/>
+                  </a:ext>
+                </a:extLst>
+              </p:cNvPr>
+              <p:cNvSpPr>
+                <a:spLocks noGrp="1" noRot="1" noChangeAspect="1" noMove="1" noResize="1" noEditPoints="1" noAdjustHandles="1" noChangeArrowheads="1" noChangeShapeType="1" noTextEdit="1"/>
+              </p:cNvSpPr>
+              <p:nvPr>
+                <p:ph type="body" sz="quarter" idx="11"/>
+              </p:nvPr>
+            </p:nvSpPr>
+            <p:spPr>
+              <a:xfrm>
+                <a:off x="1063828" y="2128730"/>
+                <a:ext cx="9162352" cy="3550617"/>
+              </a:xfrm>
+              <a:blipFill>
+                <a:blip r:embed="rId2"/>
+                <a:stretch>
+                  <a:fillRect l="-1464" t="-2230"/>
+                </a:stretch>
+              </a:blipFill>
+            </p:spPr>
+            <p:txBody>
+              <a:bodyPr/>
+              <a:lstStyle/>
+              <a:p>
+                <a:r>
+                  <a:rPr lang="en-US">
+                    <a:noFill/>
+                  </a:rPr>
+                  <a:t> </a:t>
+                </a:r>
+              </a:p>
+            </p:txBody>
+          </p:sp>
+        </mc:Fallback>
+      </mc:AlternateContent>
+      <p:sp>
+        <p:nvSpPr>
+          <p:cNvPr id="15" name="Segnaposto numero diapositiva 14">
+            <a:extLst>
+              <a:ext uri="{FF2B5EF4-FFF2-40B4-BE49-F238E27FC236}">
+                <a16:creationId xmlns:a16="http://schemas.microsoft.com/office/drawing/2014/main" id="{F37419E7-6CE1-EFA5-363B-E4990D412DFB}"/>
+              </a:ext>
+            </a:extLst>
+          </p:cNvPr>
+          <p:cNvSpPr>
+            <a:spLocks noGrp="1"/>
+          </p:cNvSpPr>
+          <p:nvPr>
+            <p:ph type="sldNum" sz="quarter" idx="16"/>
+          </p:nvPr>
+        </p:nvSpPr>
+        <p:spPr/>
+        <p:txBody>
+          <a:bodyPr/>
+          <a:lstStyle/>
+          <a:p>
+            <a:pPr rtl="0"/>
+            <a:fld id="{294A09A9-5501-47C1-A89A-A340965A2BE2}" type="slidenum">
+              <a:rPr lang="it-IT" noProof="0" smtClean="0"/>
+              <a:pPr rtl="0"/>
+              <a:t>17</a:t>
+            </a:fld>
+            <a:endParaRPr lang="it-IT" noProof="0" dirty="0"/>
+          </a:p>
+        </p:txBody>
+      </p:sp>
+    </p:spTree>
+    <p:extLst>
+      <p:ext uri="{BB962C8B-B14F-4D97-AF65-F5344CB8AC3E}">
+        <p14:creationId xmlns:p14="http://schemas.microsoft.com/office/powerpoint/2010/main" val="1522444210"/>
+      </p:ext>
+    </p:extLst>
+  </p:cSld>
+  <p:clrMapOvr>
+    <a:masterClrMapping/>
+  </p:clrMapOvr>
+  <p:transition spd="slow">
+    <p:push dir="u"/>
+  </p:transition>
 </p:sld>
 </file>
 
@@ -20283,13 +20851,13 @@
   <p:clrMapOvr>
     <a:masterClrMapping/>
   </p:clrMapOvr>
-  <mc:AlternateContent xmlns:mc="http://schemas.openxmlformats.org/markup-compatibility/2006">
-    <mc:Choice xmlns:p159="http://schemas.microsoft.com/office/powerpoint/2015/09/main" Requires="p159">
+  <mc:AlternateContent xmlns:mc="http://schemas.openxmlformats.org/markup-compatibility/2006" xmlns:p159="http://schemas.microsoft.com/office/powerpoint/2015/09/main">
+    <mc:Choice Requires="p159">
       <p:transition xmlns:p14="http://schemas.microsoft.com/office/powerpoint/2010/main" spd="slow" p14:dur="2000">
         <p159:morph option="byObject"/>
       </p:transition>
     </mc:Choice>
-    <mc:Fallback>
+    <mc:Fallback xmlns="">
       <p:transition spd="slow">
         <p:fade/>
       </p:transition>
@@ -20412,7 +20980,7 @@
             <a:pPr rtl="0"/>
             <a:r>
               <a:rPr lang="it-IT" dirty="0"/>
-              <a:t>Pag. 3:4</a:t>
+              <a:t>Pag. 3</a:t>
             </a:r>
           </a:p>
         </p:txBody>
@@ -20480,7 +21048,7 @@
             <a:pPr rtl="0"/>
             <a:r>
               <a:rPr lang="it-IT" dirty="0"/>
-              <a:t>Pag. 5:10</a:t>
+              <a:t>Pag. 4:11</a:t>
             </a:r>
           </a:p>
         </p:txBody>
@@ -20548,7 +21116,7 @@
             <a:pPr rtl="0"/>
             <a:r>
               <a:rPr lang="it-IT" dirty="0"/>
-              <a:t>Pag. 11</a:t>
+              <a:t>Pag. 12</a:t>
             </a:r>
           </a:p>
         </p:txBody>
@@ -20620,7 +21188,7 @@
             <a:pPr rtl="0"/>
             <a:r>
               <a:rPr lang="it-IT" dirty="0"/>
-              <a:t>Pag. 12:18</a:t>
+              <a:t>Pag. 13:17</a:t>
             </a:r>
           </a:p>
         </p:txBody>
@@ -20695,7 +21263,7 @@
             <a:pPr rtl="0"/>
             <a:r>
               <a:rPr lang="it-IT" dirty="0"/>
-              <a:t>Pag.19:22</a:t>
+              <a:t>Pag.18:21</a:t>
             </a:r>
           </a:p>
         </p:txBody>
@@ -21129,7 +21697,7 @@
           <a:p>
             <a:r>
               <a:rPr lang="it-IT" dirty="0"/>
-              <a:t>Pag.23:25</a:t>
+              <a:t>Pag.22:30</a:t>
             </a:r>
           </a:p>
         </p:txBody>
@@ -21240,7 +21808,7 @@
       </p:sp>
       <p:pic>
         <p:nvPicPr>
-          <p:cNvPr id="9" name="Segnaposto contenuto 4" descr="Immagine che contiene grafico&#10;&#10;Descrizione generata automaticamente">
+          <p:cNvPr id="9" name="Segnaposto contenuto 4">
             <a:extLst>
               <a:ext uri="{FF2B5EF4-FFF2-40B4-BE49-F238E27FC236}">
                 <a16:creationId xmlns:a16="http://schemas.microsoft.com/office/drawing/2014/main" id="{1609EC87-FD57-D25A-CFD6-251725A21D43}"/>
@@ -21252,7 +21820,7 @@
           </p:cNvPicPr>
           <p:nvPr/>
         </p:nvPicPr>
-        <p:blipFill>
+        <p:blipFill rotWithShape="1">
           <a:blip r:embed="rId2">
             <a:extLst>
               <a:ext uri="{28A0092B-C50C-407E-A947-70E740481C1C}">
@@ -21260,14 +21828,13 @@
               </a:ext>
             </a:extLst>
           </a:blip>
-          <a:stretch>
-            <a:fillRect/>
-          </a:stretch>
+          <a:srcRect l="8580" t="3659" r="8487" b="4592"/>
+          <a:stretch/>
         </p:blipFill>
         <p:spPr>
           <a:xfrm>
-            <a:off x="971550" y="2259821"/>
-            <a:ext cx="4927143" cy="3693949"/>
+            <a:off x="1174459" y="2374084"/>
+            <a:ext cx="4496499" cy="3389153"/>
           </a:xfrm>
           <a:prstGeom prst="rect">
             <a:avLst/>
@@ -21296,16 +21863,21 @@
           </p:cNvPicPr>
           <p:nvPr/>
         </p:nvPicPr>
-        <p:blipFill>
-          <a:blip r:embed="rId3"/>
-          <a:stretch>
-            <a:fillRect/>
-          </a:stretch>
+        <p:blipFill rotWithShape="1">
+          <a:blip r:embed="rId3">
+            <a:extLst>
+              <a:ext uri="{28A0092B-C50C-407E-A947-70E740481C1C}">
+                <a14:useLocalDpi xmlns:a14="http://schemas.microsoft.com/office/drawing/2010/main" val="0"/>
+              </a:ext>
+            </a:extLst>
+          </a:blip>
+          <a:srcRect l="5568" t="3985" r="6521" b="7424"/>
+          <a:stretch/>
         </p:blipFill>
         <p:spPr>
           <a:xfrm>
-            <a:off x="6411665" y="2259821"/>
-            <a:ext cx="4927143" cy="3693949"/>
+            <a:off x="6521041" y="2374717"/>
+            <a:ext cx="4496500" cy="3388520"/>
           </a:xfrm>
           <a:prstGeom prst="rect">
             <a:avLst/>
@@ -21330,13 +21902,13 @@
   <p:clrMapOvr>
     <a:masterClrMapping/>
   </p:clrMapOvr>
-  <mc:AlternateContent xmlns:mc="http://schemas.openxmlformats.org/markup-compatibility/2006">
-    <mc:Choice xmlns:p159="http://schemas.microsoft.com/office/powerpoint/2015/09/main" Requires="p159">
+  <mc:AlternateContent xmlns:mc="http://schemas.openxmlformats.org/markup-compatibility/2006" xmlns:p159="http://schemas.microsoft.com/office/powerpoint/2015/09/main">
+    <mc:Choice Requires="p159">
       <p:transition xmlns:p14="http://schemas.microsoft.com/office/powerpoint/2010/main" spd="slow" p14:dur="2000">
         <p159:morph option="byObject"/>
       </p:transition>
     </mc:Choice>
-    <mc:Fallback>
+    <mc:Fallback xmlns="">
       <p:transition spd="slow">
         <p:fade/>
       </p:transition>
@@ -23410,13 +23982,13 @@
   <p:clrMapOvr>
     <a:masterClrMapping/>
   </p:clrMapOvr>
-  <mc:AlternateContent xmlns:mc="http://schemas.openxmlformats.org/markup-compatibility/2006">
-    <mc:Choice xmlns:p159="http://schemas.microsoft.com/office/powerpoint/2015/09/main" Requires="p159">
+  <mc:AlternateContent xmlns:mc="http://schemas.openxmlformats.org/markup-compatibility/2006" xmlns:p159="http://schemas.microsoft.com/office/powerpoint/2015/09/main">
+    <mc:Choice Requires="p159">
       <p:transition xmlns:p14="http://schemas.microsoft.com/office/powerpoint/2010/main" spd="slow" p14:dur="2000">
         <p159:morph option="byObject"/>
       </p:transition>
     </mc:Choice>
-    <mc:Fallback>
+    <mc:Fallback xmlns="">
       <p:transition spd="slow">
         <p:fade/>
       </p:transition>
@@ -32752,8 +33324,8 @@
           </a:p>
         </p:txBody>
       </p:sp>
-      <mc:AlternateContent xmlns:mc="http://schemas.openxmlformats.org/markup-compatibility/2006">
-        <mc:Choice xmlns:a14="http://schemas.microsoft.com/office/drawing/2010/main" Requires="a14">
+      <mc:AlternateContent xmlns:mc="http://schemas.openxmlformats.org/markup-compatibility/2006" xmlns:a14="http://schemas.microsoft.com/office/drawing/2010/main">
+        <mc:Choice Requires="a14">
           <p:sp>
             <p:nvSpPr>
               <p:cNvPr id="17" name="Segnaposto testo 16">
@@ -32878,7 +33450,7 @@
             </p:txBody>
           </p:sp>
         </mc:Choice>
-        <mc:Fallback>
+        <mc:Fallback xmlns="">
           <p:sp>
             <p:nvSpPr>
               <p:cNvPr id="17" name="Segnaposto testo 16">
@@ -32953,8 +33525,8 @@
           </a:p>
         </p:txBody>
       </p:sp>
-      <mc:AlternateContent xmlns:mc="http://schemas.openxmlformats.org/markup-compatibility/2006">
-        <mc:Choice xmlns:a14="http://schemas.microsoft.com/office/drawing/2010/main" Requires="a14">
+      <mc:AlternateContent xmlns:mc="http://schemas.openxmlformats.org/markup-compatibility/2006" xmlns:a14="http://schemas.microsoft.com/office/drawing/2010/main">
+        <mc:Choice Requires="a14">
           <p:sp>
             <p:nvSpPr>
               <p:cNvPr id="2" name="CasellaDiTesto 1">
@@ -33027,10 +33599,11 @@
                     <m:sSup>
                       <m:sSupPr>
                         <m:ctrlPr>
-                          <a:rPr lang="it-IT">
+                          <a:rPr lang="it-IT" i="1">
                             <a:solidFill>
                               <a:schemeClr val="bg1"/>
                             </a:solidFill>
+                            <a:latin typeface="Cambria Math" panose="02040503050406030204" pitchFamily="18" charset="0"/>
                           </a:rPr>
                         </m:ctrlPr>
                       </m:sSupPr>
@@ -33053,6 +33626,7 @@
                             <a:solidFill>
                               <a:schemeClr val="bg1"/>
                             </a:solidFill>
+                            <a:latin typeface="Cambria Math" panose="02040503050406030204" pitchFamily="18" charset="0"/>
                           </a:rPr>
                           <m:t>𝑛𝑥𝑚</m:t>
                         </m:r>
@@ -33063,6 +33637,7 @@
                         <a:solidFill>
                           <a:schemeClr val="bg1"/>
                         </a:solidFill>
+                        <a:latin typeface="Cambria Math" panose="02040503050406030204" pitchFamily="18" charset="0"/>
                       </a:rPr>
                       <m:t> </m:t>
                     </m:r>
@@ -33071,6 +33646,7 @@
                         <a:solidFill>
                           <a:schemeClr val="bg1"/>
                         </a:solidFill>
+                        <a:latin typeface="Cambria Math" panose="02040503050406030204" pitchFamily="18" charset="0"/>
                       </a:rPr>
                       <m:t>𝑡𝑜</m:t>
                     </m:r>
@@ -33088,10 +33664,11 @@
                     <m:sSup>
                       <m:sSupPr>
                         <m:ctrlPr>
-                          <a:rPr lang="it-IT">
+                          <a:rPr lang="it-IT" i="1">
                             <a:solidFill>
                               <a:schemeClr val="bg1"/>
                             </a:solidFill>
+                            <a:latin typeface="Cambria Math" panose="02040503050406030204" pitchFamily="18" charset="0"/>
                           </a:rPr>
                         </m:ctrlPr>
                       </m:sSupPr>
@@ -33114,6 +33691,7 @@
                             <a:solidFill>
                               <a:schemeClr val="bg1"/>
                             </a:solidFill>
+                            <a:latin typeface="Cambria Math" panose="02040503050406030204" pitchFamily="18" charset="0"/>
                           </a:rPr>
                           <m:t>𝑛𝑥𝑎</m:t>
                         </m:r>
@@ -33124,6 +33702,7 @@
                         <a:solidFill>
                           <a:schemeClr val="bg1"/>
                         </a:solidFill>
+                        <a:latin typeface="Cambria Math" panose="02040503050406030204" pitchFamily="18" charset="0"/>
                       </a:rPr>
                       <m:t>, </m:t>
                     </m:r>
@@ -33132,6 +33711,7 @@
                         <a:solidFill>
                           <a:schemeClr val="bg1"/>
                         </a:solidFill>
+                        <a:latin typeface="Cambria Math" panose="02040503050406030204" pitchFamily="18" charset="0"/>
                       </a:rPr>
                       <m:t>𝑎</m:t>
                     </m:r>
@@ -33140,6 +33720,7 @@
                         <a:solidFill>
                           <a:schemeClr val="bg1"/>
                         </a:solidFill>
+                        <a:latin typeface="Cambria Math" panose="02040503050406030204" pitchFamily="18" charset="0"/>
                       </a:rPr>
                       <m:t>&lt;</m:t>
                     </m:r>
@@ -33148,6 +33729,7 @@
                         <a:solidFill>
                           <a:schemeClr val="bg1"/>
                         </a:solidFill>
+                        <a:latin typeface="Cambria Math" panose="02040503050406030204" pitchFamily="18" charset="0"/>
                       </a:rPr>
                       <m:t>𝑚</m:t>
                     </m:r>
@@ -33156,6 +33738,7 @@
                         <a:solidFill>
                           <a:schemeClr val="bg1"/>
                         </a:solidFill>
+                        <a:latin typeface="Cambria Math" panose="02040503050406030204" pitchFamily="18" charset="0"/>
                       </a:rPr>
                       <m:t>)</m:t>
                     </m:r>
@@ -33198,6 +33781,7 @@
                         <a:solidFill>
                           <a:schemeClr val="bg1"/>
                         </a:solidFill>
+                        <a:latin typeface="Cambria Math" panose="02040503050406030204" pitchFamily="18" charset="0"/>
                       </a:rPr>
                       <m:t> </m:t>
                     </m:r>
@@ -33407,7 +33991,7 @@
             </p:txBody>
           </p:sp>
         </mc:Choice>
-        <mc:Fallback>
+        <mc:Fallback xmlns="">
           <p:sp>
             <p:nvSpPr>
               <p:cNvPr id="2" name="CasellaDiTesto 1">
@@ -34061,8 +34645,8 @@
           </a:p>
         </p:txBody>
       </p:sp>
-      <mc:AlternateContent xmlns:mc="http://schemas.openxmlformats.org/markup-compatibility/2006">
-        <mc:Choice xmlns:a14="http://schemas.microsoft.com/office/drawing/2010/main" Requires="a14">
+      <mc:AlternateContent xmlns:mc="http://schemas.openxmlformats.org/markup-compatibility/2006" xmlns:a14="http://schemas.microsoft.com/office/drawing/2010/main">
+        <mc:Choice Requires="a14">
           <p:sp>
             <p:nvSpPr>
               <p:cNvPr id="17" name="Segnaposto testo 16">
@@ -34396,7 +34980,7 @@
             </p:txBody>
           </p:sp>
         </mc:Choice>
-        <mc:Fallback>
+        <mc:Fallback xmlns="">
           <p:sp>
             <p:nvSpPr>
               <p:cNvPr id="17" name="Segnaposto testo 16">
@@ -34500,8 +35084,8 @@
           </a:prstGeom>
         </p:spPr>
       </p:pic>
-      <mc:AlternateContent xmlns:mc="http://schemas.openxmlformats.org/markup-compatibility/2006">
-        <mc:Choice xmlns:a14="http://schemas.microsoft.com/office/drawing/2010/main" Requires="a14">
+      <mc:AlternateContent xmlns:mc="http://schemas.openxmlformats.org/markup-compatibility/2006" xmlns:a14="http://schemas.microsoft.com/office/drawing/2010/main">
+        <mc:Choice Requires="a14">
           <p:sp>
             <p:nvSpPr>
               <p:cNvPr id="27" name="CasellaDiTesto 26">
@@ -34530,6 +35114,7 @@
               </a:bodyPr>
               <a:lstStyle/>
               <a:p>
+                <a:pPr/>
                 <a14:m>
                   <m:oMathPara xmlns:m="http://schemas.openxmlformats.org/officeDocument/2006/math">
                     <m:oMathParaPr>
@@ -34576,7 +35161,7 @@
             </p:txBody>
           </p:sp>
         </mc:Choice>
-        <mc:Fallback>
+        <mc:Fallback xmlns="">
           <p:sp>
             <p:nvSpPr>
               <p:cNvPr id="27" name="CasellaDiTesto 26">
@@ -34621,8 +35206,8 @@
           </p:sp>
         </mc:Fallback>
       </mc:AlternateContent>
-      <mc:AlternateContent xmlns:mc="http://schemas.openxmlformats.org/markup-compatibility/2006">
-        <mc:Choice xmlns:a14="http://schemas.microsoft.com/office/drawing/2010/main" Requires="a14">
+      <mc:AlternateContent xmlns:mc="http://schemas.openxmlformats.org/markup-compatibility/2006" xmlns:a14="http://schemas.microsoft.com/office/drawing/2010/main">
+        <mc:Choice Requires="a14">
           <p:sp>
             <p:nvSpPr>
               <p:cNvPr id="28" name="CasellaDiTesto 27">
@@ -34651,6 +35236,7 @@
               </a:bodyPr>
               <a:lstStyle/>
               <a:p>
+                <a:pPr/>
                 <a14:m>
                   <m:oMathPara xmlns:m="http://schemas.openxmlformats.org/officeDocument/2006/math">
                     <m:oMathParaPr>
@@ -34698,7 +35284,7 @@
             </p:txBody>
           </p:sp>
         </mc:Choice>
-        <mc:Fallback>
+        <mc:Fallback xmlns="">
           <p:sp>
             <p:nvSpPr>
               <p:cNvPr id="28" name="CasellaDiTesto 27">
@@ -34759,8 +35345,8 @@
             </p:nvSpPr>
             <p:spPr>
               <a:xfrm>
-                <a:off x="1813420" y="5086837"/>
-                <a:ext cx="9872444" cy="1200329"/>
+                <a:off x="1767670" y="4932389"/>
+                <a:ext cx="9872444" cy="2031325"/>
               </a:xfrm>
               <a:prstGeom prst="rect">
                 <a:avLst/>
@@ -34784,6 +35370,156 @@
                     </a:solidFill>
                   </a:rPr>
                   <a:t>Remove the features without relevant information to process monitoring.</a:t>
+                </a:r>
+              </a:p>
+              <a:p>
+                <a:pPr marL="285750" indent="-285750">
+                  <a:buFont typeface="Wingdings" panose="05000000000000000000" pitchFamily="2" charset="2"/>
+                  <a:buChar char="ü"/>
+                </a:pPr>
+                <a:r>
+                  <a:rPr lang="en-GB" dirty="0">
+                    <a:solidFill>
+                      <a:schemeClr val="bg1"/>
+                    </a:solidFill>
+                  </a:rPr>
+                  <a:t>Remove outliers.</a:t>
+                </a:r>
+              </a:p>
+              <a:p>
+                <a:pPr marL="285750" indent="-285750">
+                  <a:buFont typeface="Wingdings" panose="05000000000000000000" pitchFamily="2" charset="2"/>
+                  <a:buChar char="ü"/>
+                </a:pPr>
+                <a14:m>
+                  <m:oMath xmlns:m="http://schemas.openxmlformats.org/officeDocument/2006/math">
+                    <m:r>
+                      <a:rPr lang="it-IT" b="0" i="1" dirty="0" smtClean="0">
+                        <a:solidFill>
+                          <a:schemeClr val="bg1"/>
+                        </a:solidFill>
+                        <a:latin typeface="Cambria Math" panose="02040503050406030204" pitchFamily="18" charset="0"/>
+                      </a:rPr>
+                      <m:t>𝑋</m:t>
+                    </m:r>
+                    <m:r>
+                      <a:rPr lang="it-IT" b="0" i="1" dirty="0" smtClean="0">
+                        <a:solidFill>
+                          <a:schemeClr val="bg1"/>
+                        </a:solidFill>
+                        <a:latin typeface="Cambria Math" panose="02040503050406030204" pitchFamily="18" charset="0"/>
+                      </a:rPr>
+                      <m:t> </m:t>
+                    </m:r>
+                    <m:r>
+                      <a:rPr lang="it-IT" b="0" i="1" dirty="0" smtClean="0">
+                        <a:solidFill>
+                          <a:schemeClr val="bg1"/>
+                        </a:solidFill>
+                        <a:latin typeface="Cambria Math" panose="02040503050406030204" pitchFamily="18" charset="0"/>
+                      </a:rPr>
+                      <m:t>𝑎𝑛𝑑</m:t>
+                    </m:r>
+                    <m:r>
+                      <a:rPr lang="it-IT" b="0" i="1" dirty="0" smtClean="0">
+                        <a:solidFill>
+                          <a:schemeClr val="bg1"/>
+                        </a:solidFill>
+                        <a:latin typeface="Cambria Math" panose="02040503050406030204" pitchFamily="18" charset="0"/>
+                      </a:rPr>
+                      <m:t> </m:t>
+                    </m:r>
+                    <m:r>
+                      <a:rPr lang="en-GB" i="1" dirty="0" smtClean="0">
+                        <a:solidFill>
+                          <a:schemeClr val="bg1"/>
+                        </a:solidFill>
+                        <a:latin typeface="Cambria Math" panose="02040503050406030204" pitchFamily="18" charset="0"/>
+                      </a:rPr>
+                      <m:t>𝑌</m:t>
+                    </m:r>
+                  </m:oMath>
+                </a14:m>
+                <a:r>
+                  <a:rPr lang="en-GB" dirty="0">
+                    <a:solidFill>
+                      <a:schemeClr val="bg1"/>
+                    </a:solidFill>
+                  </a:rPr>
+                  <a:t> must </a:t>
+                </a:r>
+                <a:r>
+                  <a:rPr lang="en-GB" b="1" dirty="0">
+                    <a:solidFill>
+                      <a:schemeClr val="bg1"/>
+                    </a:solidFill>
+                  </a:rPr>
+                  <a:t>maintain the ordering</a:t>
+                </a:r>
+                <a:r>
+                  <a:rPr lang="en-GB" dirty="0">
+                    <a:solidFill>
+                      <a:schemeClr val="bg1"/>
+                    </a:solidFill>
+                  </a:rPr>
+                  <a:t>, each column refers to a class and the single column is equal to </a:t>
+                </a:r>
+                <a:r>
+                  <a:rPr lang="it-IT" i="1" dirty="0">
+                    <a:solidFill>
+                      <a:schemeClr val="bg1"/>
+                    </a:solidFill>
+                  </a:rPr>
+                  <a:t>′</a:t>
+                </a:r>
+                <a:r>
+                  <a:rPr lang="en-GB" i="1" dirty="0">
+                    <a:solidFill>
+                      <a:schemeClr val="bg1"/>
+                    </a:solidFill>
+                  </a:rPr>
+                  <a:t>1</a:t>
+                </a:r>
+                <a:r>
+                  <a:rPr lang="it-IT" i="1" dirty="0">
+                    <a:solidFill>
+                      <a:schemeClr val="bg1"/>
+                    </a:solidFill>
+                  </a:rPr>
+                  <a:t>′</a:t>
+                </a:r>
+                <a:r>
+                  <a:rPr lang="en-GB" i="0" dirty="0">
+                    <a:solidFill>
+                      <a:schemeClr val="bg1"/>
+                    </a:solidFill>
+                    <a:latin typeface="+mj-lt"/>
+                  </a:rPr>
+                  <a:t> </a:t>
+                </a:r>
+                <a:r>
+                  <a:rPr lang="en-GB" dirty="0">
+                    <a:solidFill>
+                      <a:schemeClr val="bg1"/>
+                    </a:solidFill>
+                  </a:rPr>
+                  <a:t>when it refers to that class otherwise it is equal to ‘</a:t>
+                </a:r>
+                <a:r>
+                  <a:rPr lang="en-GB" i="1" dirty="0">
+                    <a:solidFill>
+                      <a:schemeClr val="bg1"/>
+                    </a:solidFill>
+                  </a:rPr>
+                  <a:t>0’</a:t>
+                </a:r>
+                <a:r>
+                  <a:rPr lang="en-GB" dirty="0">
+                    <a:solidFill>
+                      <a:schemeClr val="bg1"/>
+                    </a:solidFill>
+                  </a:rPr>
+                  <a:t>.</a:t>
                 </a:r>
               </a:p>
               <a:p>
@@ -34914,14 +35650,11 @@
                   <a:buFont typeface="Wingdings" panose="05000000000000000000" pitchFamily="2" charset="2"/>
                   <a:buChar char="ü"/>
                 </a:pPr>
-                <a:r>
-                  <a:rPr lang="en-GB" dirty="0">
-                    <a:solidFill>
-                      <a:schemeClr val="bg1"/>
-                    </a:solidFill>
-                  </a:rPr>
-                  <a:t>Remove outliers.</a:t>
-                </a:r>
+                <a:endParaRPr lang="en-GB" dirty="0">
+                  <a:solidFill>
+                    <a:schemeClr val="bg1"/>
+                  </a:solidFill>
+                </a:endParaRPr>
               </a:p>
             </p:txBody>
           </p:sp>
@@ -34943,8 +35676,8 @@
             </p:nvSpPr>
             <p:spPr>
               <a:xfrm>
-                <a:off x="1813420" y="5086837"/>
-                <a:ext cx="9872444" cy="1200329"/>
+                <a:off x="1767670" y="4932389"/>
+                <a:ext cx="9872444" cy="2031325"/>
               </a:xfrm>
               <a:prstGeom prst="rect">
                 <a:avLst/>
@@ -34952,7 +35685,7 @@
               <a:blipFill>
                 <a:blip r:embed="rId6"/>
                 <a:stretch>
-                  <a:fillRect l="-370" t="-2538" b="-7107"/>
+                  <a:fillRect l="-432" t="-1502"/>
                 </a:stretch>
               </a:blipFill>
             </p:spPr>
@@ -34961,7 +35694,7 @@
               <a:lstStyle/>
               <a:p>
                 <a:r>
-                  <a:rPr lang="en-GB">
+                  <a:rPr lang="en-US">
                     <a:noFill/>
                   </a:rPr>
                   <a:t> </a:t>
@@ -35157,7 +35890,7 @@
                         </a:solidFill>
                         <a:latin typeface="Cambria Math" panose="02040503050406030204" pitchFamily="18" charset="0"/>
                       </a:rPr>
-                      <m:t> ⋅ </m:t>
+                      <m:t>⋅ </m:t>
                     </m:r>
                     <m:r>
                       <m:rPr>
@@ -35757,13 +36490,7 @@
                           <a:rPr lang="it-IT" sz="1800" i="1">
                             <a:latin typeface="Cambria Math" panose="02040503050406030204" pitchFamily="18" charset="0"/>
                           </a:rPr>
-                          <m:t>𝑥</m:t>
-                        </m:r>
-                        <m:r>
-                          <a:rPr lang="it-IT" sz="1800" i="1">
-                            <a:latin typeface="Cambria Math" panose="02040503050406030204" pitchFamily="18" charset="0"/>
-                          </a:rPr>
-                          <m:t>𝑎</m:t>
+                          <m:t>𝑥𝑎</m:t>
                         </m:r>
                       </m:sup>
                     </m:sSup>
@@ -35785,6 +36512,7 @@
                 </a:r>
               </a:p>
               <a:p>
+                <a:pPr/>
                 <a14:m>
                   <m:oMathPara xmlns:m="http://schemas.openxmlformats.org/officeDocument/2006/math">
                     <m:oMathParaPr>
@@ -35911,6 +36639,7 @@
                 </a:endParaRPr>
               </a:p>
               <a:p>
+                <a:pPr/>
                 <a14:m>
                   <m:oMathPara xmlns:m="http://schemas.openxmlformats.org/officeDocument/2006/math">
                     <m:oMathParaPr>
@@ -36005,13 +36734,7 @@
                             <a:rPr lang="it-IT" sz="1800" i="1">
                               <a:latin typeface="Cambria Math" panose="02040503050406030204" pitchFamily="18" charset="0"/>
                             </a:rPr>
-                            <m:t>𝑥</m:t>
-                          </m:r>
-                          <m:r>
-                            <a:rPr lang="it-IT" sz="1800" i="1">
-                              <a:latin typeface="Cambria Math" panose="02040503050406030204" pitchFamily="18" charset="0"/>
-                            </a:rPr>
-                            <m:t>𝑎</m:t>
+                            <m:t>𝑥𝑎</m:t>
                           </m:r>
                         </m:sup>
                       </m:sSup>
@@ -36063,7 +36786,7 @@
               <a:lstStyle/>
               <a:p>
                 <a:r>
-                  <a:rPr lang="en-GB">
+                  <a:rPr lang="en-US">
                     <a:noFill/>
                   </a:rPr>
                   <a:t> </a:t>
@@ -36124,8 +36847,8 @@
             <a:chExt cx="1966394" cy="415498"/>
           </a:xfrm>
         </p:grpSpPr>
-        <mc:AlternateContent xmlns:mc="http://schemas.openxmlformats.org/markup-compatibility/2006">
-          <mc:Choice xmlns:a14="http://schemas.microsoft.com/office/drawing/2010/main" Requires="a14">
+        <mc:AlternateContent xmlns:mc="http://schemas.openxmlformats.org/markup-compatibility/2006" xmlns:a14="http://schemas.microsoft.com/office/drawing/2010/main">
+          <mc:Choice Requires="a14">
             <p:sp>
               <p:nvSpPr>
                 <p:cNvPr id="2" name="CasellaDiTesto 1">
@@ -36154,6 +36877,7 @@
                 </a:bodyPr>
                 <a:lstStyle/>
                 <a:p>
+                  <a:pPr/>
                   <a14:m>
                     <m:oMathPara xmlns:m="http://schemas.openxmlformats.org/officeDocument/2006/math">
                       <m:oMathParaPr>
@@ -36209,7 +36933,7 @@
               </p:txBody>
             </p:sp>
           </mc:Choice>
-          <mc:Fallback>
+          <mc:Fallback xmlns="">
             <p:sp>
               <p:nvSpPr>
                 <p:cNvPr id="2" name="CasellaDiTesto 1">
@@ -36254,8 +36978,8 @@
             </p:sp>
           </mc:Fallback>
         </mc:AlternateContent>
-        <mc:AlternateContent xmlns:mc="http://schemas.openxmlformats.org/markup-compatibility/2006">
-          <mc:Choice xmlns:a14="http://schemas.microsoft.com/office/drawing/2010/main" Requires="a14">
+        <mc:AlternateContent xmlns:mc="http://schemas.openxmlformats.org/markup-compatibility/2006" xmlns:a14="http://schemas.microsoft.com/office/drawing/2010/main">
+          <mc:Choice Requires="a14">
             <p:sp>
               <p:nvSpPr>
                 <p:cNvPr id="3" name="CasellaDiTesto 2">
@@ -36284,6 +37008,7 @@
                 </a:bodyPr>
                 <a:lstStyle/>
                 <a:p>
+                  <a:pPr/>
                   <a14:m>
                     <m:oMathPara xmlns:m="http://schemas.openxmlformats.org/officeDocument/2006/math">
                       <m:oMathParaPr>
@@ -36339,7 +37064,7 @@
               </p:txBody>
             </p:sp>
           </mc:Choice>
-          <mc:Fallback>
+          <mc:Fallback xmlns="">
             <p:sp>
               <p:nvSpPr>
                 <p:cNvPr id="3" name="CasellaDiTesto 2">
@@ -36384,8 +37109,8 @@
             </p:sp>
           </mc:Fallback>
         </mc:AlternateContent>
-        <mc:AlternateContent xmlns:mc="http://schemas.openxmlformats.org/markup-compatibility/2006">
-          <mc:Choice xmlns:a14="http://schemas.microsoft.com/office/drawing/2010/main" Requires="a14">
+        <mc:AlternateContent xmlns:mc="http://schemas.openxmlformats.org/markup-compatibility/2006" xmlns:a14="http://schemas.microsoft.com/office/drawing/2010/main">
+          <mc:Choice Requires="a14">
             <p:sp>
               <p:nvSpPr>
                 <p:cNvPr id="4" name="CasellaDiTesto 3">
@@ -36414,6 +37139,7 @@
                 </a:bodyPr>
                 <a:lstStyle/>
                 <a:p>
+                  <a:pPr/>
                   <a14:m>
                     <m:oMathPara xmlns:m="http://schemas.openxmlformats.org/officeDocument/2006/math">
                       <m:oMathParaPr>
@@ -36469,7 +37195,7 @@
               </p:txBody>
             </p:sp>
           </mc:Choice>
-          <mc:Fallback>
+          <mc:Fallback xmlns="">
             <p:sp>
               <p:nvSpPr>
                 <p:cNvPr id="4" name="CasellaDiTesto 3">
@@ -36535,8 +37261,8 @@
             <a:chExt cx="2501079" cy="396878"/>
           </a:xfrm>
         </p:grpSpPr>
-        <mc:AlternateContent xmlns:mc="http://schemas.openxmlformats.org/markup-compatibility/2006">
-          <mc:Choice xmlns:a14="http://schemas.microsoft.com/office/drawing/2010/main" Requires="a14">
+        <mc:AlternateContent xmlns:mc="http://schemas.openxmlformats.org/markup-compatibility/2006" xmlns:a14="http://schemas.microsoft.com/office/drawing/2010/main">
+          <mc:Choice Requires="a14">
             <p:sp>
               <p:nvSpPr>
                 <p:cNvPr id="8" name="CasellaDiTesto 7">
@@ -36565,6 +37291,7 @@
                 </a:bodyPr>
                 <a:lstStyle/>
                 <a:p>
+                  <a:pPr/>
                   <a14:m>
                     <m:oMathPara xmlns:m="http://schemas.openxmlformats.org/officeDocument/2006/math">
                       <m:oMathParaPr>
@@ -36620,7 +37347,7 @@
               </p:txBody>
             </p:sp>
           </mc:Choice>
-          <mc:Fallback>
+          <mc:Fallback xmlns="">
             <p:sp>
               <p:nvSpPr>
                 <p:cNvPr id="8" name="CasellaDiTesto 7">
@@ -36665,8 +37392,8 @@
             </p:sp>
           </mc:Fallback>
         </mc:AlternateContent>
-        <mc:AlternateContent xmlns:mc="http://schemas.openxmlformats.org/markup-compatibility/2006">
-          <mc:Choice xmlns:a14="http://schemas.microsoft.com/office/drawing/2010/main" Requires="a14">
+        <mc:AlternateContent xmlns:mc="http://schemas.openxmlformats.org/markup-compatibility/2006" xmlns:a14="http://schemas.microsoft.com/office/drawing/2010/main">
+          <mc:Choice Requires="a14">
             <p:sp>
               <p:nvSpPr>
                 <p:cNvPr id="9" name="CasellaDiTesto 8">
@@ -36695,6 +37422,7 @@
                 </a:bodyPr>
                 <a:lstStyle/>
                 <a:p>
+                  <a:pPr/>
                   <a14:m>
                     <m:oMathPara xmlns:m="http://schemas.openxmlformats.org/officeDocument/2006/math">
                       <m:oMathParaPr>
@@ -36749,7 +37477,7 @@
               </p:txBody>
             </p:sp>
           </mc:Choice>
-          <mc:Fallback>
+          <mc:Fallback xmlns="">
             <p:sp>
               <p:nvSpPr>
                 <p:cNvPr id="9" name="CasellaDiTesto 8">
@@ -36794,8 +37522,8 @@
             </p:sp>
           </mc:Fallback>
         </mc:AlternateContent>
-        <mc:AlternateContent xmlns:mc="http://schemas.openxmlformats.org/markup-compatibility/2006">
-          <mc:Choice xmlns:a14="http://schemas.microsoft.com/office/drawing/2010/main" Requires="a14">
+        <mc:AlternateContent xmlns:mc="http://schemas.openxmlformats.org/markup-compatibility/2006" xmlns:a14="http://schemas.microsoft.com/office/drawing/2010/main">
+          <mc:Choice Requires="a14">
             <p:sp>
               <p:nvSpPr>
                 <p:cNvPr id="10" name="CasellaDiTesto 9">
@@ -36824,6 +37552,7 @@
                 </a:bodyPr>
                 <a:lstStyle/>
                 <a:p>
+                  <a:pPr/>
                   <a14:m>
                     <m:oMathPara xmlns:m="http://schemas.openxmlformats.org/officeDocument/2006/math">
                       <m:oMathParaPr>
@@ -36879,7 +37608,7 @@
               </p:txBody>
             </p:sp>
           </mc:Choice>
-          <mc:Fallback>
+          <mc:Fallback xmlns="">
             <p:sp>
               <p:nvSpPr>
                 <p:cNvPr id="10" name="CasellaDiTesto 9">
@@ -36924,8 +37653,8 @@
             </p:sp>
           </mc:Fallback>
         </mc:AlternateContent>
-        <mc:AlternateContent xmlns:mc="http://schemas.openxmlformats.org/markup-compatibility/2006">
-          <mc:Choice xmlns:a14="http://schemas.microsoft.com/office/drawing/2010/main" Requires="a14">
+        <mc:AlternateContent xmlns:mc="http://schemas.openxmlformats.org/markup-compatibility/2006" xmlns:a14="http://schemas.microsoft.com/office/drawing/2010/main">
+          <mc:Choice Requires="a14">
             <p:sp>
               <p:nvSpPr>
                 <p:cNvPr id="11" name="CasellaDiTesto 10">
@@ -36954,6 +37683,7 @@
                 </a:bodyPr>
                 <a:lstStyle/>
                 <a:p>
+                  <a:pPr/>
                   <a14:m>
                     <m:oMathPara xmlns:m="http://schemas.openxmlformats.org/officeDocument/2006/math">
                       <m:oMathParaPr>
@@ -37010,7 +37740,7 @@
               </p:txBody>
             </p:sp>
           </mc:Choice>
-          <mc:Fallback>
+          <mc:Fallback xmlns="">
             <p:sp>
               <p:nvSpPr>
                 <p:cNvPr id="11" name="CasellaDiTesto 10">
@@ -37070,14 +37800,14 @@
         </p:nvGrpSpPr>
         <p:grpSpPr>
           <a:xfrm>
-            <a:off x="3681128" y="3026810"/>
+            <a:off x="3491442" y="2874408"/>
             <a:ext cx="2501079" cy="396878"/>
             <a:chOff x="3205292" y="2874387"/>
             <a:chExt cx="2501079" cy="396878"/>
           </a:xfrm>
         </p:grpSpPr>
-        <mc:AlternateContent xmlns:mc="http://schemas.openxmlformats.org/markup-compatibility/2006">
-          <mc:Choice xmlns:a14="http://schemas.microsoft.com/office/drawing/2010/main" Requires="a14">
+        <mc:AlternateContent xmlns:mc="http://schemas.openxmlformats.org/markup-compatibility/2006" xmlns:a14="http://schemas.microsoft.com/office/drawing/2010/main">
+          <mc:Choice Requires="a14">
             <p:sp>
               <p:nvSpPr>
                 <p:cNvPr id="21" name="CasellaDiTesto 20">
@@ -37106,6 +37836,7 @@
                 </a:bodyPr>
                 <a:lstStyle/>
                 <a:p>
+                  <a:pPr/>
                   <a14:m>
                     <m:oMathPara xmlns:m="http://schemas.openxmlformats.org/officeDocument/2006/math">
                       <m:oMathParaPr>
@@ -37160,7 +37891,7 @@
               </p:txBody>
             </p:sp>
           </mc:Choice>
-          <mc:Fallback>
+          <mc:Fallback xmlns="">
             <p:sp>
               <p:nvSpPr>
                 <p:cNvPr id="21" name="CasellaDiTesto 20">
@@ -37205,8 +37936,8 @@
             </p:sp>
           </mc:Fallback>
         </mc:AlternateContent>
-        <mc:AlternateContent xmlns:mc="http://schemas.openxmlformats.org/markup-compatibility/2006">
-          <mc:Choice xmlns:a14="http://schemas.microsoft.com/office/drawing/2010/main" Requires="a14">
+        <mc:AlternateContent xmlns:mc="http://schemas.openxmlformats.org/markup-compatibility/2006" xmlns:a14="http://schemas.microsoft.com/office/drawing/2010/main">
+          <mc:Choice Requires="a14">
             <p:sp>
               <p:nvSpPr>
                 <p:cNvPr id="22" name="CasellaDiTesto 21">
@@ -37235,6 +37966,7 @@
                 </a:bodyPr>
                 <a:lstStyle/>
                 <a:p>
+                  <a:pPr/>
                   <a14:m>
                     <m:oMathPara xmlns:m="http://schemas.openxmlformats.org/officeDocument/2006/math">
                       <m:oMathParaPr>
@@ -37289,7 +38021,7 @@
               </p:txBody>
             </p:sp>
           </mc:Choice>
-          <mc:Fallback>
+          <mc:Fallback xmlns="">
             <p:sp>
               <p:nvSpPr>
                 <p:cNvPr id="22" name="CasellaDiTesto 21">
@@ -37334,8 +38066,8 @@
             </p:sp>
           </mc:Fallback>
         </mc:AlternateContent>
-        <mc:AlternateContent xmlns:mc="http://schemas.openxmlformats.org/markup-compatibility/2006">
-          <mc:Choice xmlns:a14="http://schemas.microsoft.com/office/drawing/2010/main" Requires="a14">
+        <mc:AlternateContent xmlns:mc="http://schemas.openxmlformats.org/markup-compatibility/2006" xmlns:a14="http://schemas.microsoft.com/office/drawing/2010/main">
+          <mc:Choice Requires="a14">
             <p:sp>
               <p:nvSpPr>
                 <p:cNvPr id="23" name="CasellaDiTesto 22">
@@ -37364,6 +38096,7 @@
                 </a:bodyPr>
                 <a:lstStyle/>
                 <a:p>
+                  <a:pPr/>
                   <a14:m>
                     <m:oMathPara xmlns:m="http://schemas.openxmlformats.org/officeDocument/2006/math">
                       <m:oMathParaPr>
@@ -37419,7 +38152,7 @@
               </p:txBody>
             </p:sp>
           </mc:Choice>
-          <mc:Fallback>
+          <mc:Fallback xmlns="">
             <p:sp>
               <p:nvSpPr>
                 <p:cNvPr id="23" name="CasellaDiTesto 22">
@@ -37464,8 +38197,8 @@
             </p:sp>
           </mc:Fallback>
         </mc:AlternateContent>
-        <mc:AlternateContent xmlns:mc="http://schemas.openxmlformats.org/markup-compatibility/2006">
-          <mc:Choice xmlns:a14="http://schemas.microsoft.com/office/drawing/2010/main" Requires="a14">
+        <mc:AlternateContent xmlns:mc="http://schemas.openxmlformats.org/markup-compatibility/2006" xmlns:a14="http://schemas.microsoft.com/office/drawing/2010/main">
+          <mc:Choice Requires="a14">
             <p:sp>
               <p:nvSpPr>
                 <p:cNvPr id="24" name="CasellaDiTesto 23">
@@ -37494,6 +38227,7 @@
                 </a:bodyPr>
                 <a:lstStyle/>
                 <a:p>
+                  <a:pPr/>
                   <a14:m>
                     <m:oMathPara xmlns:m="http://schemas.openxmlformats.org/officeDocument/2006/math">
                       <m:oMathParaPr>
@@ -37550,7 +38284,7 @@
               </p:txBody>
             </p:sp>
           </mc:Choice>
-          <mc:Fallback>
+          <mc:Fallback xmlns="">
             <p:sp>
               <p:nvSpPr>
                 <p:cNvPr id="24" name="CasellaDiTesto 23">
@@ -37616,8 +38350,8 @@
             <a:chExt cx="1966394" cy="415498"/>
           </a:xfrm>
         </p:grpSpPr>
-        <mc:AlternateContent xmlns:mc="http://schemas.openxmlformats.org/markup-compatibility/2006">
-          <mc:Choice xmlns:a14="http://schemas.microsoft.com/office/drawing/2010/main" Requires="a14">
+        <mc:AlternateContent xmlns:mc="http://schemas.openxmlformats.org/markup-compatibility/2006" xmlns:a14="http://schemas.microsoft.com/office/drawing/2010/main">
+          <mc:Choice Requires="a14">
             <p:sp>
               <p:nvSpPr>
                 <p:cNvPr id="30" name="CasellaDiTesto 29">
@@ -37646,6 +38380,7 @@
                 </a:bodyPr>
                 <a:lstStyle/>
                 <a:p>
+                  <a:pPr/>
                   <a14:m>
                     <m:oMathPara xmlns:m="http://schemas.openxmlformats.org/officeDocument/2006/math">
                       <m:oMathParaPr>
@@ -37701,7 +38436,7 @@
               </p:txBody>
             </p:sp>
           </mc:Choice>
-          <mc:Fallback>
+          <mc:Fallback xmlns="">
             <p:sp>
               <p:nvSpPr>
                 <p:cNvPr id="30" name="CasellaDiTesto 29">
@@ -37746,8 +38481,8 @@
             </p:sp>
           </mc:Fallback>
         </mc:AlternateContent>
-        <mc:AlternateContent xmlns:mc="http://schemas.openxmlformats.org/markup-compatibility/2006">
-          <mc:Choice xmlns:a14="http://schemas.microsoft.com/office/drawing/2010/main" Requires="a14">
+        <mc:AlternateContent xmlns:mc="http://schemas.openxmlformats.org/markup-compatibility/2006" xmlns:a14="http://schemas.microsoft.com/office/drawing/2010/main">
+          <mc:Choice Requires="a14">
             <p:sp>
               <p:nvSpPr>
                 <p:cNvPr id="31" name="CasellaDiTesto 30">
@@ -37776,6 +38511,7 @@
                 </a:bodyPr>
                 <a:lstStyle/>
                 <a:p>
+                  <a:pPr/>
                   <a14:m>
                     <m:oMathPara xmlns:m="http://schemas.openxmlformats.org/officeDocument/2006/math">
                       <m:oMathParaPr>
@@ -37831,7 +38567,7 @@
               </p:txBody>
             </p:sp>
           </mc:Choice>
-          <mc:Fallback>
+          <mc:Fallback xmlns="">
             <p:sp>
               <p:nvSpPr>
                 <p:cNvPr id="31" name="CasellaDiTesto 30">
@@ -37876,8 +38612,8 @@
             </p:sp>
           </mc:Fallback>
         </mc:AlternateContent>
-        <mc:AlternateContent xmlns:mc="http://schemas.openxmlformats.org/markup-compatibility/2006">
-          <mc:Choice xmlns:a14="http://schemas.microsoft.com/office/drawing/2010/main" Requires="a14">
+        <mc:AlternateContent xmlns:mc="http://schemas.openxmlformats.org/markup-compatibility/2006" xmlns:a14="http://schemas.microsoft.com/office/drawing/2010/main">
+          <mc:Choice Requires="a14">
             <p:sp>
               <p:nvSpPr>
                 <p:cNvPr id="32" name="CasellaDiTesto 31">
@@ -37906,6 +38642,7 @@
                 </a:bodyPr>
                 <a:lstStyle/>
                 <a:p>
+                  <a:pPr/>
                   <a14:m>
                     <m:oMathPara xmlns:m="http://schemas.openxmlformats.org/officeDocument/2006/math">
                       <m:oMathParaPr>
@@ -37961,7 +38698,7 @@
               </p:txBody>
             </p:sp>
           </mc:Choice>
-          <mc:Fallback>
+          <mc:Fallback xmlns="">
             <p:sp>
               <p:nvSpPr>
                 <p:cNvPr id="32" name="CasellaDiTesto 31">
@@ -38076,8 +38813,8 @@
           </a:p>
         </p:txBody>
       </p:sp>
-      <mc:AlternateContent xmlns:mc="http://schemas.openxmlformats.org/markup-compatibility/2006">
-        <mc:Choice xmlns:a14="http://schemas.microsoft.com/office/drawing/2010/main" Requires="a14">
+      <mc:AlternateContent xmlns:mc="http://schemas.openxmlformats.org/markup-compatibility/2006" xmlns:a14="http://schemas.microsoft.com/office/drawing/2010/main">
+        <mc:Choice Requires="a14">
           <p:sp>
             <p:nvSpPr>
               <p:cNvPr id="17" name="Segnaposto testo 16">
@@ -38986,7 +39723,7 @@
             </p:txBody>
           </p:sp>
         </mc:Choice>
-        <mc:Fallback>
+        <mc:Fallback xmlns="">
           <p:sp>
             <p:nvSpPr>
               <p:cNvPr id="17" name="Segnaposto testo 16">
@@ -39081,8 +39818,8 @@
             <a:chExt cx="2211670" cy="404951"/>
           </a:xfrm>
         </p:grpSpPr>
-        <mc:AlternateContent xmlns:mc="http://schemas.openxmlformats.org/markup-compatibility/2006">
-          <mc:Choice xmlns:a14="http://schemas.microsoft.com/office/drawing/2010/main" Requires="a14">
+        <mc:AlternateContent xmlns:mc="http://schemas.openxmlformats.org/markup-compatibility/2006" xmlns:a14="http://schemas.microsoft.com/office/drawing/2010/main">
+          <mc:Choice Requires="a14">
             <p:sp>
               <p:nvSpPr>
                 <p:cNvPr id="13" name="CasellaDiTesto 12">
@@ -39166,7 +39903,7 @@
               </p:txBody>
             </p:sp>
           </mc:Choice>
-          <mc:Fallback>
+          <mc:Fallback xmlns="">
             <p:sp>
               <p:nvSpPr>
                 <p:cNvPr id="13" name="CasellaDiTesto 12">
@@ -39211,8 +39948,8 @@
             </p:sp>
           </mc:Fallback>
         </mc:AlternateContent>
-        <mc:AlternateContent xmlns:mc="http://schemas.openxmlformats.org/markup-compatibility/2006">
-          <mc:Choice xmlns:a14="http://schemas.microsoft.com/office/drawing/2010/main" Requires="a14">
+        <mc:AlternateContent xmlns:mc="http://schemas.openxmlformats.org/markup-compatibility/2006" xmlns:a14="http://schemas.microsoft.com/office/drawing/2010/main">
+          <mc:Choice Requires="a14">
             <p:sp>
               <p:nvSpPr>
                 <p:cNvPr id="14" name="CasellaDiTesto 13">
@@ -39297,7 +40034,7 @@
               </p:txBody>
             </p:sp>
           </mc:Choice>
-          <mc:Fallback>
+          <mc:Fallback xmlns="">
             <p:sp>
               <p:nvSpPr>
                 <p:cNvPr id="14" name="CasellaDiTesto 13">
@@ -39342,8 +40079,8 @@
             </p:sp>
           </mc:Fallback>
         </mc:AlternateContent>
-        <mc:AlternateContent xmlns:mc="http://schemas.openxmlformats.org/markup-compatibility/2006">
-          <mc:Choice xmlns:a14="http://schemas.microsoft.com/office/drawing/2010/main" Requires="a14">
+        <mc:AlternateContent xmlns:mc="http://schemas.openxmlformats.org/markup-compatibility/2006" xmlns:a14="http://schemas.microsoft.com/office/drawing/2010/main">
+          <mc:Choice Requires="a14">
             <p:sp>
               <p:nvSpPr>
                 <p:cNvPr id="18" name="CasellaDiTesto 17">
@@ -39428,7 +40165,7 @@
               </p:txBody>
             </p:sp>
           </mc:Choice>
-          <mc:Fallback>
+          <mc:Fallback xmlns="">
             <p:sp>
               <p:nvSpPr>
                 <p:cNvPr id="18" name="CasellaDiTesto 17">
@@ -39473,8 +40210,8 @@
             </p:sp>
           </mc:Fallback>
         </mc:AlternateContent>
-        <mc:AlternateContent xmlns:mc="http://schemas.openxmlformats.org/markup-compatibility/2006">
-          <mc:Choice xmlns:a14="http://schemas.microsoft.com/office/drawing/2010/main" Requires="a14">
+        <mc:AlternateContent xmlns:mc="http://schemas.openxmlformats.org/markup-compatibility/2006" xmlns:a14="http://schemas.microsoft.com/office/drawing/2010/main">
+          <mc:Choice Requires="a14">
             <p:sp>
               <p:nvSpPr>
                 <p:cNvPr id="19" name="CasellaDiTesto 18">
@@ -39560,7 +40297,7 @@
               </p:txBody>
             </p:sp>
           </mc:Choice>
-          <mc:Fallback>
+          <mc:Fallback xmlns="">
             <p:sp>
               <p:nvSpPr>
                 <p:cNvPr id="19" name="CasellaDiTesto 18">
@@ -39626,8 +40363,8 @@
             <a:chExt cx="2211670" cy="404951"/>
           </a:xfrm>
         </p:grpSpPr>
-        <mc:AlternateContent xmlns:mc="http://schemas.openxmlformats.org/markup-compatibility/2006">
-          <mc:Choice xmlns:a14="http://schemas.microsoft.com/office/drawing/2010/main" Requires="a14">
+        <mc:AlternateContent xmlns:mc="http://schemas.openxmlformats.org/markup-compatibility/2006" xmlns:a14="http://schemas.microsoft.com/office/drawing/2010/main">
+          <mc:Choice Requires="a14">
             <p:sp>
               <p:nvSpPr>
                 <p:cNvPr id="21" name="CasellaDiTesto 20">
@@ -39712,7 +40449,7 @@
               </p:txBody>
             </p:sp>
           </mc:Choice>
-          <mc:Fallback>
+          <mc:Fallback xmlns="">
             <p:sp>
               <p:nvSpPr>
                 <p:cNvPr id="21" name="CasellaDiTesto 20">
@@ -39757,8 +40494,8 @@
             </p:sp>
           </mc:Fallback>
         </mc:AlternateContent>
-        <mc:AlternateContent xmlns:mc="http://schemas.openxmlformats.org/markup-compatibility/2006">
-          <mc:Choice xmlns:a14="http://schemas.microsoft.com/office/drawing/2010/main" Requires="a14">
+        <mc:AlternateContent xmlns:mc="http://schemas.openxmlformats.org/markup-compatibility/2006" xmlns:a14="http://schemas.microsoft.com/office/drawing/2010/main">
+          <mc:Choice Requires="a14">
             <p:sp>
               <p:nvSpPr>
                 <p:cNvPr id="22" name="CasellaDiTesto 21">
@@ -39844,7 +40581,7 @@
               </p:txBody>
             </p:sp>
           </mc:Choice>
-          <mc:Fallback>
+          <mc:Fallback xmlns="">
             <p:sp>
               <p:nvSpPr>
                 <p:cNvPr id="22" name="CasellaDiTesto 21">
@@ -39889,8 +40626,8 @@
             </p:sp>
           </mc:Fallback>
         </mc:AlternateContent>
-        <mc:AlternateContent xmlns:mc="http://schemas.openxmlformats.org/markup-compatibility/2006">
-          <mc:Choice xmlns:a14="http://schemas.microsoft.com/office/drawing/2010/main" Requires="a14">
+        <mc:AlternateContent xmlns:mc="http://schemas.openxmlformats.org/markup-compatibility/2006" xmlns:a14="http://schemas.microsoft.com/office/drawing/2010/main">
+          <mc:Choice Requires="a14">
             <p:sp>
               <p:nvSpPr>
                 <p:cNvPr id="23" name="CasellaDiTesto 22">
@@ -39975,7 +40712,7 @@
               </p:txBody>
             </p:sp>
           </mc:Choice>
-          <mc:Fallback>
+          <mc:Fallback xmlns="">
             <p:sp>
               <p:nvSpPr>
                 <p:cNvPr id="23" name="CasellaDiTesto 22">
@@ -40020,8 +40757,8 @@
             </p:sp>
           </mc:Fallback>
         </mc:AlternateContent>
-        <mc:AlternateContent xmlns:mc="http://schemas.openxmlformats.org/markup-compatibility/2006">
-          <mc:Choice xmlns:a14="http://schemas.microsoft.com/office/drawing/2010/main" Requires="a14">
+        <mc:AlternateContent xmlns:mc="http://schemas.openxmlformats.org/markup-compatibility/2006" xmlns:a14="http://schemas.microsoft.com/office/drawing/2010/main">
+          <mc:Choice Requires="a14">
             <p:sp>
               <p:nvSpPr>
                 <p:cNvPr id="24" name="CasellaDiTesto 23">
@@ -40107,7 +40844,7 @@
               </p:txBody>
             </p:sp>
           </mc:Choice>
-          <mc:Fallback>
+          <mc:Fallback xmlns="">
             <p:sp>
               <p:nvSpPr>
                 <p:cNvPr id="24" name="CasellaDiTesto 23">
@@ -40227,8 +40964,8 @@
           </a:p>
         </p:txBody>
       </p:sp>
-      <mc:AlternateContent xmlns:mc="http://schemas.openxmlformats.org/markup-compatibility/2006">
-        <mc:Choice xmlns:a14="http://schemas.microsoft.com/office/drawing/2010/main" Requires="a14">
+      <mc:AlternateContent xmlns:mc="http://schemas.openxmlformats.org/markup-compatibility/2006" xmlns:a14="http://schemas.microsoft.com/office/drawing/2010/main">
+        <mc:Choice Requires="a14">
           <p:sp>
             <p:nvSpPr>
               <p:cNvPr id="17" name="Segnaposto testo 16">
@@ -40308,7 +41045,7 @@
             </p:txBody>
           </p:sp>
         </mc:Choice>
-        <mc:Fallback>
+        <mc:Fallback xmlns="">
           <p:sp>
             <p:nvSpPr>
               <p:cNvPr id="17" name="Segnaposto testo 16">
@@ -40421,8 +41158,8 @@
           </a:ln>
         </p:spPr>
       </p:pic>
-      <mc:AlternateContent xmlns:mc="http://schemas.openxmlformats.org/markup-compatibility/2006">
-        <mc:Choice xmlns:a14="http://schemas.microsoft.com/office/drawing/2010/main" Requires="a14">
+      <mc:AlternateContent xmlns:mc="http://schemas.openxmlformats.org/markup-compatibility/2006" xmlns:a14="http://schemas.microsoft.com/office/drawing/2010/main">
+        <mc:Choice Requires="a14">
           <p:sp>
             <p:nvSpPr>
               <p:cNvPr id="4" name="CasellaDiTesto 3">
@@ -40468,10 +41205,11 @@
                     <m:sSub>
                       <m:sSubPr>
                         <m:ctrlPr>
-                          <a:rPr lang="en-US">
+                          <a:rPr lang="en-US" i="1">
                             <a:solidFill>
                               <a:schemeClr val="bg1"/>
                             </a:solidFill>
+                            <a:latin typeface="Cambria Math" panose="02040503050406030204" pitchFamily="18" charset="0"/>
                           </a:rPr>
                         </m:ctrlPr>
                       </m:sSubPr>
@@ -40481,6 +41219,7 @@
                             <a:solidFill>
                               <a:schemeClr val="bg1"/>
                             </a:solidFill>
+                            <a:latin typeface="Cambria Math" panose="02040503050406030204" pitchFamily="18" charset="0"/>
                           </a:rPr>
                           <m:t>𝒑</m:t>
                         </m:r>
@@ -40491,6 +41230,7 @@
                             <a:solidFill>
                               <a:schemeClr val="bg1"/>
                             </a:solidFill>
+                            <a:latin typeface="Cambria Math" panose="02040503050406030204" pitchFamily="18" charset="0"/>
                           </a:rPr>
                           <m:t>1</m:t>
                         </m:r>
@@ -40511,10 +41251,11 @@
                     <m:sSub>
                       <m:sSubPr>
                         <m:ctrlPr>
-                          <a:rPr lang="en-US">
+                          <a:rPr lang="en-US" i="1">
                             <a:solidFill>
                               <a:schemeClr val="bg1"/>
                             </a:solidFill>
+                            <a:latin typeface="Cambria Math" panose="02040503050406030204" pitchFamily="18" charset="0"/>
                           </a:rPr>
                         </m:ctrlPr>
                       </m:sSubPr>
@@ -40524,6 +41265,7 @@
                             <a:solidFill>
                               <a:schemeClr val="bg1"/>
                             </a:solidFill>
+                            <a:latin typeface="Cambria Math" panose="02040503050406030204" pitchFamily="18" charset="0"/>
                           </a:rPr>
                           <m:t>𝒒</m:t>
                         </m:r>
@@ -40534,6 +41276,7 @@
                             <a:solidFill>
                               <a:schemeClr val="bg1"/>
                             </a:solidFill>
+                            <a:latin typeface="Cambria Math" panose="02040503050406030204" pitchFamily="18" charset="0"/>
                           </a:rPr>
                           <m:t>𝟏</m:t>
                         </m:r>
@@ -40554,10 +41297,11 @@
                     <m:sSub>
                       <m:sSubPr>
                         <m:ctrlPr>
-                          <a:rPr lang="en-US">
+                          <a:rPr lang="en-US" i="1">
                             <a:solidFill>
                               <a:schemeClr val="bg1"/>
                             </a:solidFill>
+                            <a:latin typeface="Cambria Math" panose="02040503050406030204" pitchFamily="18" charset="0"/>
                           </a:rPr>
                         </m:ctrlPr>
                       </m:sSubPr>
@@ -40567,6 +41311,7 @@
                             <a:solidFill>
                               <a:schemeClr val="bg1"/>
                             </a:solidFill>
+                            <a:latin typeface="Cambria Math" panose="02040503050406030204" pitchFamily="18" charset="0"/>
                           </a:rPr>
                           <m:t>𝒕</m:t>
                         </m:r>
@@ -40577,6 +41322,7 @@
                             <a:solidFill>
                               <a:schemeClr val="bg1"/>
                             </a:solidFill>
+                            <a:latin typeface="Cambria Math" panose="02040503050406030204" pitchFamily="18" charset="0"/>
                           </a:rPr>
                           <m:t>𝒊</m:t>
                         </m:r>
@@ -40597,10 +41343,11 @@
                     <m:sSub>
                       <m:sSubPr>
                         <m:ctrlPr>
-                          <a:rPr lang="en-US">
+                          <a:rPr lang="en-US" i="1">
                             <a:solidFill>
                               <a:schemeClr val="bg1"/>
                             </a:solidFill>
+                            <a:latin typeface="Cambria Math" panose="02040503050406030204" pitchFamily="18" charset="0"/>
                           </a:rPr>
                         </m:ctrlPr>
                       </m:sSubPr>
@@ -40610,6 +41357,7 @@
                             <a:solidFill>
                               <a:schemeClr val="bg1"/>
                             </a:solidFill>
+                            <a:latin typeface="Cambria Math" panose="02040503050406030204" pitchFamily="18" charset="0"/>
                           </a:rPr>
                           <m:t>𝒖</m:t>
                         </m:r>
@@ -40620,6 +41368,7 @@
                             <a:solidFill>
                               <a:schemeClr val="bg1"/>
                             </a:solidFill>
+                            <a:latin typeface="Cambria Math" panose="02040503050406030204" pitchFamily="18" charset="0"/>
                           </a:rPr>
                           <m:t>𝟏</m:t>
                         </m:r>
@@ -40630,6 +41379,7 @@
                         <a:solidFill>
                           <a:schemeClr val="bg1"/>
                         </a:solidFill>
+                        <a:latin typeface="Cambria Math" panose="02040503050406030204" pitchFamily="18" charset="0"/>
                       </a:rPr>
                       <m:t>.</m:t>
                     </m:r>
@@ -40647,7 +41397,7 @@
             </p:txBody>
           </p:sp>
         </mc:Choice>
-        <mc:Fallback>
+        <mc:Fallback xmlns="">
           <p:sp>
             <p:nvSpPr>
               <p:cNvPr id="4" name="CasellaDiTesto 3">
@@ -40800,8 +41550,8 @@
             </p:spPr>
           </p:pic>
         </p:grpSp>
-        <mc:AlternateContent xmlns:mc="http://schemas.openxmlformats.org/markup-compatibility/2006">
-          <mc:Choice xmlns:a14="http://schemas.microsoft.com/office/drawing/2010/main" Requires="a14">
+        <mc:AlternateContent xmlns:mc="http://schemas.openxmlformats.org/markup-compatibility/2006" xmlns:a14="http://schemas.microsoft.com/office/drawing/2010/main">
+          <mc:Choice Requires="a14">
             <p:sp>
               <p:nvSpPr>
                 <p:cNvPr id="10" name="CasellaDiTesto 9">
@@ -40879,7 +41629,7 @@
               </p:txBody>
             </p:sp>
           </mc:Choice>
-          <mc:Fallback>
+          <mc:Fallback xmlns="">
             <p:sp>
               <p:nvSpPr>
                 <p:cNvPr id="10" name="CasellaDiTesto 9">
@@ -40924,8 +41674,8 @@
             </p:sp>
           </mc:Fallback>
         </mc:AlternateContent>
-        <mc:AlternateContent xmlns:mc="http://schemas.openxmlformats.org/markup-compatibility/2006">
-          <mc:Choice xmlns:a14="http://schemas.microsoft.com/office/drawing/2010/main" Requires="a14">
+        <mc:AlternateContent xmlns:mc="http://schemas.openxmlformats.org/markup-compatibility/2006" xmlns:a14="http://schemas.microsoft.com/office/drawing/2010/main">
+          <mc:Choice Requires="a14">
             <p:sp>
               <p:nvSpPr>
                 <p:cNvPr id="11" name="CasellaDiTesto 10">
@@ -41003,7 +41753,7 @@
               </p:txBody>
             </p:sp>
           </mc:Choice>
-          <mc:Fallback>
+          <mc:Fallback xmlns="">
             <p:sp>
               <p:nvSpPr>
                 <p:cNvPr id="11" name="CasellaDiTesto 10">
@@ -41048,8 +41798,8 @@
             </p:sp>
           </mc:Fallback>
         </mc:AlternateContent>
-        <mc:AlternateContent xmlns:mc="http://schemas.openxmlformats.org/markup-compatibility/2006">
-          <mc:Choice xmlns:a14="http://schemas.microsoft.com/office/drawing/2010/main" Requires="a14">
+        <mc:AlternateContent xmlns:mc="http://schemas.openxmlformats.org/markup-compatibility/2006" xmlns:a14="http://schemas.microsoft.com/office/drawing/2010/main">
+          <mc:Choice Requires="a14">
             <p:sp>
               <p:nvSpPr>
                 <p:cNvPr id="13" name="CasellaDiTesto 12">
@@ -41127,7 +41877,7 @@
               </p:txBody>
             </p:sp>
           </mc:Choice>
-          <mc:Fallback>
+          <mc:Fallback xmlns="">
             <p:sp>
               <p:nvSpPr>
                 <p:cNvPr id="13" name="CasellaDiTesto 12">
@@ -41202,8 +41952,8 @@
             </a:prstGeom>
           </p:spPr>
         </p:pic>
-        <mc:AlternateContent xmlns:mc="http://schemas.openxmlformats.org/markup-compatibility/2006">
-          <mc:Choice xmlns:a14="http://schemas.microsoft.com/office/drawing/2010/main" Requires="a14">
+        <mc:AlternateContent xmlns:mc="http://schemas.openxmlformats.org/markup-compatibility/2006" xmlns:a14="http://schemas.microsoft.com/office/drawing/2010/main">
+          <mc:Choice Requires="a14">
             <p:sp>
               <p:nvSpPr>
                 <p:cNvPr id="24" name="CasellaDiTesto 23">
@@ -41281,7 +42031,7 @@
               </p:txBody>
             </p:sp>
           </mc:Choice>
-          <mc:Fallback>
+          <mc:Fallback xmlns="">
             <p:sp>
               <p:nvSpPr>
                 <p:cNvPr id="24" name="CasellaDiTesto 23">
@@ -41671,8 +42421,8 @@
               </a:ln>
             </p:spPr>
           </p:pic>
-          <mc:AlternateContent xmlns:mc="http://schemas.openxmlformats.org/markup-compatibility/2006">
-            <mc:Choice xmlns:a14="http://schemas.microsoft.com/office/drawing/2010/main" Requires="a14">
+          <mc:AlternateContent xmlns:mc="http://schemas.openxmlformats.org/markup-compatibility/2006" xmlns:a14="http://schemas.microsoft.com/office/drawing/2010/main">
+            <mc:Choice Requires="a14">
               <p:sp>
                 <p:nvSpPr>
                   <p:cNvPr id="9" name="CasellaDiTesto 8">
@@ -41752,7 +42502,7 @@
                 </p:txBody>
               </p:sp>
             </mc:Choice>
-            <mc:Fallback>
+            <mc:Fallback xmlns="">
               <p:sp>
                 <p:nvSpPr>
                   <p:cNvPr id="9" name="CasellaDiTesto 8">
@@ -41797,8 +42547,8 @@
               </p:sp>
             </mc:Fallback>
           </mc:AlternateContent>
-          <mc:AlternateContent xmlns:mc="http://schemas.openxmlformats.org/markup-compatibility/2006">
-            <mc:Choice xmlns:a14="http://schemas.microsoft.com/office/drawing/2010/main" Requires="a14">
+          <mc:AlternateContent xmlns:mc="http://schemas.openxmlformats.org/markup-compatibility/2006" xmlns:a14="http://schemas.microsoft.com/office/drawing/2010/main">
+            <mc:Choice Requires="a14">
               <p:sp>
                 <p:nvSpPr>
                   <p:cNvPr id="12" name="CasellaDiTesto 11">
@@ -41878,7 +42628,7 @@
                 </p:txBody>
               </p:sp>
             </mc:Choice>
-            <mc:Fallback>
+            <mc:Fallback xmlns="">
               <p:sp>
                 <p:nvSpPr>
                   <p:cNvPr id="12" name="CasellaDiTesto 11">
@@ -41986,13 +42736,13 @@
                             </m:e>
                             <m:sub>
                               <m:r>
-                                <a:rPr lang="it-IT">
+                                <a:rPr lang="it-IT" b="0" i="0" smtClean="0">
                                   <a:solidFill>
                                     <a:srgbClr val="F68037"/>
                                   </a:solidFill>
                                   <a:latin typeface="Cambria Math" panose="02040503050406030204" pitchFamily="18" charset="0"/>
                                 </a:rPr>
-                                <m:t>𝟏</m:t>
+                                <m:t>2</m:t>
                               </m:r>
                             </m:sub>
                           </m:sSub>
@@ -42030,7 +42780,7 @@
                   <a:blipFill>
                     <a:blip r:embed="rId5"/>
                     <a:stretch>
-                      <a:fillRect r="-13158" b="-3797"/>
+                      <a:fillRect r="-11842" b="-3797"/>
                     </a:stretch>
                   </a:blipFill>
                 </p:spPr>
@@ -42039,7 +42789,7 @@
                   <a:lstStyle/>
                   <a:p>
                     <a:r>
-                      <a:rPr lang="en-GB">
+                      <a:rPr lang="en-US">
                         <a:noFill/>
                       </a:rPr>
                       <a:t> </a:t>
@@ -42049,8 +42799,8 @@
               </p:sp>
             </mc:Fallback>
           </mc:AlternateContent>
-          <mc:AlternateContent xmlns:mc="http://schemas.openxmlformats.org/markup-compatibility/2006">
-            <mc:Choice xmlns:a14="http://schemas.microsoft.com/office/drawing/2010/main" Requires="a14">
+          <mc:AlternateContent xmlns:mc="http://schemas.openxmlformats.org/markup-compatibility/2006" xmlns:a14="http://schemas.microsoft.com/office/drawing/2010/main">
+            <mc:Choice Requires="a14">
               <p:sp>
                 <p:nvSpPr>
                   <p:cNvPr id="18" name="CasellaDiTesto 17">
@@ -42130,7 +42880,7 @@
                 </p:txBody>
               </p:sp>
             </mc:Choice>
-            <mc:Fallback>
+            <mc:Fallback xmlns="">
               <p:sp>
                 <p:nvSpPr>
                   <p:cNvPr id="18" name="CasellaDiTesto 17">
@@ -42176,8 +42926,8 @@
             </mc:Fallback>
           </mc:AlternateContent>
         </p:grpSp>
-        <mc:AlternateContent xmlns:mc="http://schemas.openxmlformats.org/markup-compatibility/2006">
-          <mc:Choice xmlns:a14="http://schemas.microsoft.com/office/drawing/2010/main" Requires="a14">
+        <mc:AlternateContent xmlns:mc="http://schemas.openxmlformats.org/markup-compatibility/2006" xmlns:a14="http://schemas.microsoft.com/office/drawing/2010/main">
+          <mc:Choice Requires="a14">
             <p:sp>
               <p:nvSpPr>
                 <p:cNvPr id="20" name="CasellaDiTesto 19">
@@ -42264,7 +43014,7 @@
               </p:txBody>
             </p:sp>
           </mc:Choice>
-          <mc:Fallback>
+          <mc:Fallback xmlns="">
             <p:sp>
               <p:nvSpPr>
                 <p:cNvPr id="20" name="CasellaDiTesto 19">
@@ -42309,8 +43059,8 @@
             </p:sp>
           </mc:Fallback>
         </mc:AlternateContent>
-        <mc:AlternateContent xmlns:mc="http://schemas.openxmlformats.org/markup-compatibility/2006">
-          <mc:Choice xmlns:a14="http://schemas.microsoft.com/office/drawing/2010/main" Requires="a14">
+        <mc:AlternateContent xmlns:mc="http://schemas.openxmlformats.org/markup-compatibility/2006" xmlns:a14="http://schemas.microsoft.com/office/drawing/2010/main">
+          <mc:Choice Requires="a14">
             <p:sp>
               <p:nvSpPr>
                 <p:cNvPr id="22" name="CasellaDiTesto 21">
@@ -42402,7 +43152,7 @@
               </p:txBody>
             </p:sp>
           </mc:Choice>
-          <mc:Fallback>
+          <mc:Fallback xmlns="">
             <p:sp>
               <p:nvSpPr>
                 <p:cNvPr id="22" name="CasellaDiTesto 21">
@@ -42447,8 +43197,8 @@
             </p:sp>
           </mc:Fallback>
         </mc:AlternateContent>
-        <mc:AlternateContent xmlns:mc="http://schemas.openxmlformats.org/markup-compatibility/2006">
-          <mc:Choice xmlns:a14="http://schemas.microsoft.com/office/drawing/2010/main" Requires="a14">
+        <mc:AlternateContent xmlns:mc="http://schemas.openxmlformats.org/markup-compatibility/2006" xmlns:a14="http://schemas.microsoft.com/office/drawing/2010/main">
+          <mc:Choice Requires="a14">
             <p:sp>
               <p:nvSpPr>
                 <p:cNvPr id="26" name="CasellaDiTesto 25">
@@ -42550,7 +43300,7 @@
               </p:txBody>
             </p:sp>
           </mc:Choice>
-          <mc:Fallback>
+          <mc:Fallback xmlns="">
             <p:sp>
               <p:nvSpPr>
                 <p:cNvPr id="26" name="CasellaDiTesto 25">
@@ -42598,8 +43348,8 @@
             </p:sp>
           </mc:Fallback>
         </mc:AlternateContent>
-        <mc:AlternateContent xmlns:mc="http://schemas.openxmlformats.org/markup-compatibility/2006">
-          <mc:Choice xmlns:a14="http://schemas.microsoft.com/office/drawing/2010/main" Requires="a14">
+        <mc:AlternateContent xmlns:mc="http://schemas.openxmlformats.org/markup-compatibility/2006" xmlns:a14="http://schemas.microsoft.com/office/drawing/2010/main">
+          <mc:Choice Requires="a14">
             <p:sp>
               <p:nvSpPr>
                 <p:cNvPr id="28" name="CasellaDiTesto 27">
@@ -42692,7 +43442,7 @@
               </p:txBody>
             </p:sp>
           </mc:Choice>
-          <mc:Fallback>
+          <mc:Fallback xmlns="">
             <p:sp>
               <p:nvSpPr>
                 <p:cNvPr id="28" name="CasellaDiTesto 27">
@@ -43549,15 +44299,6 @@
 </file>
 
 <file path=customXml/item1.xml><?xml version="1.0" encoding="utf-8"?>
-<?mso-contentType ?>
-<FormTemplates xmlns="http://schemas.microsoft.com/sharepoint/v3/contenttype/forms">
-  <Display>DocumentLibraryForm</Display>
-  <Edit>DocumentLibraryForm</Edit>
-  <New>DocumentLibraryForm</New>
-</FormTemplates>
-</file>
-
-<file path=customXml/item2.xml><?xml version="1.0" encoding="utf-8"?>
 <ct:contentTypeSchema xmlns:ct="http://schemas.microsoft.com/office/2006/metadata/contentType" xmlns:ma="http://schemas.microsoft.com/office/2006/metadata/properties/metaAttributes" ct:_="" ma:_="" ma:contentTypeName="Document" ma:contentTypeID="0x01010079F111ED35F8CC479449609E8A0923A6" ma:contentTypeVersion="12" ma:contentTypeDescription="Create a new document." ma:contentTypeScope="" ma:versionID="426e97fa315356fffbdcd9876fe988c2">
   <xsd:schema xmlns:xsd="http://www.w3.org/2001/XMLSchema" xmlns:xs="http://www.w3.org/2001/XMLSchema" xmlns:p="http://schemas.microsoft.com/office/2006/metadata/properties" xmlns:ns2="71af3243-3dd4-4a8d-8c0d-dd76da1f02a5" xmlns:ns3="16c05727-aa75-4e4a-9b5f-8a80a1165891" targetNamespace="http://schemas.microsoft.com/office/2006/metadata/properties" ma:root="true" ma:fieldsID="14b8f0def80e6d70ce3def20c90759ae" ns2:_="" ns3:_="">
     <xsd:import namespace="71af3243-3dd4-4a8d-8c0d-dd76da1f02a5"/>
@@ -43778,6 +44519,15 @@
 </ct:contentTypeSchema>
 </file>
 
+<file path=customXml/item2.xml><?xml version="1.0" encoding="utf-8"?>
+<?mso-contentType ?>
+<FormTemplates xmlns="http://schemas.microsoft.com/sharepoint/v3/contenttype/forms">
+  <Display>DocumentLibraryForm</Display>
+  <Edit>DocumentLibraryForm</Edit>
+  <New>DocumentLibraryForm</New>
+</FormTemplates>
+</file>
+
 <file path=customXml/item3.xml><?xml version="1.0" encoding="utf-8"?>
 <p:properties xmlns:p="http://schemas.microsoft.com/office/2006/metadata/properties" xmlns:xsi="http://www.w3.org/2001/XMLSchema-instance" xmlns:pc="http://schemas.microsoft.com/office/infopath/2007/PartnerControls">
   <documentManagement>
@@ -43788,14 +44538,6 @@
 </file>
 
 <file path=customXml/itemProps1.xml><?xml version="1.0" encoding="utf-8"?>
-<ds:datastoreItem xmlns:ds="http://schemas.openxmlformats.org/officeDocument/2006/customXml" ds:itemID="{1D20B6E4-879E-4E6C-BDE7-261540CD3765}">
-  <ds:schemaRefs>
-    <ds:schemaRef ds:uri="http://schemas.microsoft.com/sharepoint/v3/contenttype/forms"/>
-  </ds:schemaRefs>
-</ds:datastoreItem>
-</file>
-
-<file path=customXml/itemProps2.xml><?xml version="1.0" encoding="utf-8"?>
 <ds:datastoreItem xmlns:ds="http://schemas.openxmlformats.org/officeDocument/2006/customXml" ds:itemID="{94F21D10-BD83-491A-AAA6-945C2DB1EB01}">
   <ds:schemaRefs>
     <ds:schemaRef ds:uri="http://schemas.microsoft.com/office/2006/metadata/contentType"/>
@@ -43814,6 +44556,14 @@
 </ds:datastoreItem>
 </file>
 
+<file path=customXml/itemProps2.xml><?xml version="1.0" encoding="utf-8"?>
+<ds:datastoreItem xmlns:ds="http://schemas.openxmlformats.org/officeDocument/2006/customXml" ds:itemID="{1D20B6E4-879E-4E6C-BDE7-261540CD3765}">
+  <ds:schemaRefs>
+    <ds:schemaRef ds:uri="http://schemas.microsoft.com/sharepoint/v3/contenttype/forms"/>
+  </ds:schemaRefs>
+</ds:datastoreItem>
+</file>
+
 <file path=customXml/itemProps3.xml><?xml version="1.0" encoding="utf-8"?>
 <ds:datastoreItem xmlns:ds="http://schemas.openxmlformats.org/officeDocument/2006/customXml" ds:itemID="{09EC1AB0-9704-404D-B6D3-819D938AC55B}">
   <ds:schemaRefs>
